--- a/Responsive Web Design.pptx
+++ b/Responsive Web Design.pptx
@@ -24,9 +24,9 @@
     <p:sldId id="270" r:id="rId18"/>
     <p:sldId id="271" r:id="rId19"/>
     <p:sldId id="272" r:id="rId20"/>
-    <p:sldId id="274" r:id="rId21"/>
-    <p:sldId id="273" r:id="rId22"/>
-    <p:sldId id="275" r:id="rId23"/>
+    <p:sldId id="273" r:id="rId21"/>
+    <p:sldId id="275" r:id="rId22"/>
+    <p:sldId id="274" r:id="rId23"/>
     <p:sldId id="276" r:id="rId24"/>
     <p:sldId id="277" r:id="rId25"/>
     <p:sldId id="278" r:id="rId26"/>
@@ -280,7 +280,7 @@
           <a:p>
             <a:fld id="{40771E8B-6CA5-40B2-8038-0E112F3DAC1C}" type="datetimeFigureOut">
               <a:rPr lang="es-ES" smtClean="0"/>
-              <a:t>7/6/24</a:t>
+              <a:t>6/9/24</a:t>
             </a:fld>
             <a:endParaRPr lang="es-ES"/>
           </a:p>
@@ -448,7 +448,7 @@
           <a:p>
             <a:fld id="{40771E8B-6CA5-40B2-8038-0E112F3DAC1C}" type="datetimeFigureOut">
               <a:rPr lang="es-ES" smtClean="0"/>
-              <a:t>7/6/24</a:t>
+              <a:t>6/9/24</a:t>
             </a:fld>
             <a:endParaRPr lang="es-ES"/>
           </a:p>
@@ -626,7 +626,7 @@
           <a:p>
             <a:fld id="{40771E8B-6CA5-40B2-8038-0E112F3DAC1C}" type="datetimeFigureOut">
               <a:rPr lang="es-ES" smtClean="0"/>
-              <a:t>7/6/24</a:t>
+              <a:t>6/9/24</a:t>
             </a:fld>
             <a:endParaRPr lang="es-ES"/>
           </a:p>
@@ -794,7 +794,7 @@
           <a:p>
             <a:fld id="{40771E8B-6CA5-40B2-8038-0E112F3DAC1C}" type="datetimeFigureOut">
               <a:rPr lang="es-ES" smtClean="0"/>
-              <a:t>7/6/24</a:t>
+              <a:t>6/9/24</a:t>
             </a:fld>
             <a:endParaRPr lang="es-ES"/>
           </a:p>
@@ -1039,7 +1039,7 @@
           <a:p>
             <a:fld id="{40771E8B-6CA5-40B2-8038-0E112F3DAC1C}" type="datetimeFigureOut">
               <a:rPr lang="es-ES" smtClean="0"/>
-              <a:t>7/6/24</a:t>
+              <a:t>6/9/24</a:t>
             </a:fld>
             <a:endParaRPr lang="es-ES"/>
           </a:p>
@@ -1268,7 +1268,7 @@
           <a:p>
             <a:fld id="{40771E8B-6CA5-40B2-8038-0E112F3DAC1C}" type="datetimeFigureOut">
               <a:rPr lang="es-ES" smtClean="0"/>
-              <a:t>7/6/24</a:t>
+              <a:t>6/9/24</a:t>
             </a:fld>
             <a:endParaRPr lang="es-ES"/>
           </a:p>
@@ -1632,7 +1632,7 @@
           <a:p>
             <a:fld id="{40771E8B-6CA5-40B2-8038-0E112F3DAC1C}" type="datetimeFigureOut">
               <a:rPr lang="es-ES" smtClean="0"/>
-              <a:t>7/6/24</a:t>
+              <a:t>6/9/24</a:t>
             </a:fld>
             <a:endParaRPr lang="es-ES"/>
           </a:p>
@@ -1749,7 +1749,7 @@
           <a:p>
             <a:fld id="{40771E8B-6CA5-40B2-8038-0E112F3DAC1C}" type="datetimeFigureOut">
               <a:rPr lang="es-ES" smtClean="0"/>
-              <a:t>7/6/24</a:t>
+              <a:t>6/9/24</a:t>
             </a:fld>
             <a:endParaRPr lang="es-ES"/>
           </a:p>
@@ -1844,7 +1844,7 @@
           <a:p>
             <a:fld id="{40771E8B-6CA5-40B2-8038-0E112F3DAC1C}" type="datetimeFigureOut">
               <a:rPr lang="es-ES" smtClean="0"/>
-              <a:t>7/6/24</a:t>
+              <a:t>6/9/24</a:t>
             </a:fld>
             <a:endParaRPr lang="es-ES"/>
           </a:p>
@@ -2119,7 +2119,7 @@
           <a:p>
             <a:fld id="{40771E8B-6CA5-40B2-8038-0E112F3DAC1C}" type="datetimeFigureOut">
               <a:rPr lang="es-ES" smtClean="0"/>
-              <a:t>7/6/24</a:t>
+              <a:t>6/9/24</a:t>
             </a:fld>
             <a:endParaRPr lang="es-ES"/>
           </a:p>
@@ -2371,7 +2371,7 @@
           <a:p>
             <a:fld id="{40771E8B-6CA5-40B2-8038-0E112F3DAC1C}" type="datetimeFigureOut">
               <a:rPr lang="es-ES" smtClean="0"/>
-              <a:t>7/6/24</a:t>
+              <a:t>6/9/24</a:t>
             </a:fld>
             <a:endParaRPr lang="es-ES"/>
           </a:p>
@@ -2582,7 +2582,7 @@
           <a:p>
             <a:fld id="{40771E8B-6CA5-40B2-8038-0E112F3DAC1C}" type="datetimeFigureOut">
               <a:rPr lang="es-ES" smtClean="0"/>
-              <a:t>7/6/24</a:t>
+              <a:t>6/9/24</a:t>
             </a:fld>
             <a:endParaRPr lang="es-ES"/>
           </a:p>
@@ -4927,6 +4927,24 @@
               </a:rPr>
               <a:t>design visually appealing.</a:t>
             </a:r>
+          </a:p>
+          <a:p>
+            <a:pPr>
+              <a:lnSpc>
+                <a:spcPct val="100000"/>
+              </a:lnSpc>
+            </a:pPr>
+            <a:r>
+              <a:rPr lang="en-US" sz="1600" dirty="0">
+                <a:solidFill>
+                  <a:srgbClr val="595959"/>
+                </a:solidFill>
+                <a:latin typeface="Verdana"/>
+                <a:ea typeface="Verdana"/>
+                <a:cs typeface="+mn-lt"/>
+              </a:rPr>
+              <a:t>Bonus: For screens smaller than 768px, use a two column-width layout</a:t>
+            </a:r>
             <a:endParaRPr lang="en-US" dirty="0"/>
           </a:p>
           <a:p>
@@ -7042,29 +7060,7 @@
                 <a:ea typeface="Verdana"/>
                 <a:cs typeface="+mn-lt"/>
               </a:rPr>
-              <a:t>Create a web page that displays three images in a grid row. Give them a max-width 100%. Do you see a difference? </a:t>
-            </a:r>
-            <a:r>
-              <a:rPr lang="en-US" sz="1600" i="1">
-                <a:solidFill>
-                  <a:srgbClr val="767171"/>
-                </a:solidFill>
-                <a:latin typeface="Verdana"/>
-                <a:ea typeface="Verdana"/>
-                <a:cs typeface="+mn-lt"/>
-              </a:rPr>
-              <a:t>What </a:t>
-            </a:r>
-            <a:r>
-              <a:rPr lang="en-US" sz="1600" i="1" dirty="0">
-                <a:solidFill>
-                  <a:srgbClr val="767171"/>
-                </a:solidFill>
-                <a:latin typeface="Verdana"/>
-                <a:ea typeface="Verdana"/>
-                <a:cs typeface="+mn-lt"/>
-              </a:rPr>
-              <a:t>happens if you make it 30%?</a:t>
+              <a:t>Create a web page that displays three images in a grid row. Give them a max-width 100%. Do you see a difference? What happens if you make it 30%?</a:t>
             </a:r>
             <a:endParaRPr lang="en-US" sz="1600" i="1" dirty="0">
               <a:solidFill>
@@ -7596,7 +7592,7 @@
             <a:br>
               <a:rPr lang="en-US" dirty="0"/>
             </a:br>
-            <a:endParaRPr lang="en-US">
+            <a:endParaRPr lang="en-US" dirty="0">
               <a:cs typeface="Calibri" panose="020F0502020204030204"/>
             </a:endParaRPr>
           </a:p>
@@ -8058,7 +8054,7 @@
               </a:rPr>
               <a:t>On small screens (max-width: 767px): </a:t>
             </a:r>
-            <a:endParaRPr lang="en-US" sz="1400" b="1">
+            <a:endParaRPr lang="en-US" sz="1400" b="1" dirty="0">
               <a:solidFill>
                 <a:srgbClr val="000000"/>
               </a:solidFill>
@@ -8084,7 +8080,7 @@
               </a:rPr>
               <a:t>The heading should have a font size of 20 pixels.</a:t>
             </a:r>
-            <a:endParaRPr lang="en-US" sz="1400" b="1">
+            <a:endParaRPr lang="en-US" sz="1400" b="1" dirty="0">
               <a:solidFill>
                 <a:srgbClr val="000000"/>
               </a:solidFill>
@@ -8111,7 +8107,7 @@
               </a:rPr>
               <a:t>The paragraph text should have a font size of 14 pixels.</a:t>
             </a:r>
-            <a:endParaRPr lang="en-US" sz="1400" b="1">
+            <a:endParaRPr lang="en-US" sz="1400" b="1" dirty="0">
               <a:solidFill>
                 <a:srgbClr val="000000"/>
               </a:solidFill>
@@ -8146,7 +8142,7 @@
               </a:lnSpc>
               <a:buFont typeface="Arial"/>
             </a:pPr>
-            <a:endParaRPr lang="en-US" sz="1400">
+            <a:endParaRPr lang="en-US" sz="1400" dirty="0">
               <a:solidFill>
                 <a:srgbClr val="000000"/>
               </a:solidFill>
@@ -8474,7 +8470,7 @@
               </a:rPr>
               <a:t>The heading should have a font size of 24 pixels.</a:t>
             </a:r>
-            <a:endParaRPr lang="en-US" sz="1400">
+            <a:endParaRPr lang="en-US" sz="1400" dirty="0">
               <a:solidFill>
                 <a:srgbClr val="000000"/>
               </a:solidFill>
@@ -8501,7 +8497,7 @@
               </a:rPr>
               <a:t>The paragraph text should have a font size of 16 pixels.</a:t>
             </a:r>
-            <a:endParaRPr lang="en-US" sz="1400">
+            <a:endParaRPr lang="en-US" sz="1400" dirty="0">
               <a:solidFill>
                 <a:srgbClr val="000000"/>
               </a:solidFill>
@@ -8626,7 +8622,7 @@
             <a:br>
               <a:rPr lang="en-US" sz="1400" dirty="0"/>
             </a:br>
-            <a:endParaRPr lang="en-US" sz="1400">
+            <a:endParaRPr lang="en-US" sz="1400" dirty="0">
               <a:cs typeface="Calibri" panose="020F0502020204030204"/>
             </a:endParaRPr>
           </a:p>
@@ -9873,6 +9869,1204 @@
         </p:nvSpPr>
         <p:spPr>
           <a:xfrm>
+            <a:off x="838200" y="293237"/>
+            <a:ext cx="10515600" cy="1325563"/>
+          </a:xfrm>
+        </p:spPr>
+        <p:txBody>
+          <a:bodyPr vert="horz" lIns="91440" tIns="45720" rIns="91440" bIns="45720" rtlCol="0" anchor="ctr">
+            <a:noAutofit/>
+          </a:bodyPr>
+          <a:lstStyle/>
+          <a:p>
+            <a:pPr algn="ctr"/>
+            <a:r>
+              <a:rPr lang="en-US" sz="3000" b="1" dirty="0">
+                <a:solidFill>
+                  <a:srgbClr val="E62532"/>
+                </a:solidFill>
+                <a:latin typeface="Verdana"/>
+                <a:ea typeface="Verdana"/>
+                <a:cs typeface="Calibri"/>
+              </a:rPr>
+              <a:t>Exercise 5 </a:t>
+            </a:r>
+            <a:endParaRPr lang="en-US" dirty="0"/>
+          </a:p>
+        </p:txBody>
+      </p:sp>
+      <p:cxnSp>
+        <p:nvCxnSpPr>
+          <p:cNvPr id="7" name="Straight Arrow Connector 6">
+            <a:extLst>
+              <a:ext uri="{FF2B5EF4-FFF2-40B4-BE49-F238E27FC236}">
+                <a16:creationId xmlns:a16="http://schemas.microsoft.com/office/drawing/2014/main" id="{352C72ED-4644-C3F7-62B6-394E59BE7FB0}"/>
+              </a:ext>
+            </a:extLst>
+          </p:cNvPr>
+          <p:cNvCxnSpPr/>
+          <p:nvPr/>
+        </p:nvCxnSpPr>
+        <p:spPr>
+          <a:xfrm flipV="1">
+            <a:off x="6721330" y="1182696"/>
+            <a:ext cx="549611" cy="13221"/>
+          </a:xfrm>
+          <a:prstGeom prst="straightConnector1">
+            <a:avLst/>
+          </a:prstGeom>
+          <a:ln w="57150">
+            <a:solidFill>
+              <a:srgbClr val="E62532"/>
+            </a:solidFill>
+          </a:ln>
+        </p:spPr>
+        <p:style>
+          <a:lnRef idx="3">
+            <a:schemeClr val="accent2"/>
+          </a:lnRef>
+          <a:fillRef idx="0">
+            <a:schemeClr val="accent2"/>
+          </a:fillRef>
+          <a:effectRef idx="2">
+            <a:schemeClr val="accent2"/>
+          </a:effectRef>
+          <a:fontRef idx="minor">
+            <a:schemeClr val="tx1"/>
+          </a:fontRef>
+        </p:style>
+      </p:cxnSp>
+      <p:sp>
+        <p:nvSpPr>
+          <p:cNvPr id="4" name="Content Placeholder 2">
+            <a:extLst>
+              <a:ext uri="{FF2B5EF4-FFF2-40B4-BE49-F238E27FC236}">
+                <a16:creationId xmlns:a16="http://schemas.microsoft.com/office/drawing/2014/main" id="{CD53CD18-BC1C-2CB6-DB1F-89085C10D30D}"/>
+              </a:ext>
+            </a:extLst>
+          </p:cNvPr>
+          <p:cNvSpPr txBox="1">
+            <a:spLocks/>
+          </p:cNvSpPr>
+          <p:nvPr/>
+        </p:nvSpPr>
+        <p:spPr>
+          <a:xfrm>
+            <a:off x="1384541" y="1624343"/>
+            <a:ext cx="9422918" cy="4926432"/>
+          </a:xfrm>
+          <a:prstGeom prst="rect">
+            <a:avLst/>
+          </a:prstGeom>
+        </p:spPr>
+        <p:txBody>
+          <a:bodyPr vert="horz" lIns="91440" tIns="45720" rIns="91440" bIns="45720" rtlCol="0" anchor="t">
+            <a:noAutofit/>
+          </a:bodyPr>
+          <a:lstStyle>
+            <a:lvl1pPr marL="228600" indent="-228600" algn="l" defTabSz="914400" rtl="0" eaLnBrk="1" latinLnBrk="0" hangingPunct="1">
+              <a:lnSpc>
+                <a:spcPct val="90000"/>
+              </a:lnSpc>
+              <a:spcBef>
+                <a:spcPts val="1000"/>
+              </a:spcBef>
+              <a:buFont typeface="Arial" panose="020B0604020202020204" pitchFamily="34" charset="0"/>
+              <a:buChar char="•"/>
+              <a:defRPr sz="2800" kern="1200">
+                <a:solidFill>
+                  <a:schemeClr val="tx1"/>
+                </a:solidFill>
+                <a:latin typeface="+mn-lt"/>
+                <a:ea typeface="+mn-ea"/>
+                <a:cs typeface="+mn-cs"/>
+              </a:defRPr>
+            </a:lvl1pPr>
+            <a:lvl2pPr marL="685800" indent="-228600" algn="l" defTabSz="914400" rtl="0" eaLnBrk="1" latinLnBrk="0" hangingPunct="1">
+              <a:lnSpc>
+                <a:spcPct val="90000"/>
+              </a:lnSpc>
+              <a:spcBef>
+                <a:spcPts val="500"/>
+              </a:spcBef>
+              <a:buFont typeface="Arial" panose="020B0604020202020204" pitchFamily="34" charset="0"/>
+              <a:buChar char="•"/>
+              <a:defRPr sz="2400" kern="1200">
+                <a:solidFill>
+                  <a:schemeClr val="tx1"/>
+                </a:solidFill>
+                <a:latin typeface="+mn-lt"/>
+                <a:ea typeface="+mn-ea"/>
+                <a:cs typeface="+mn-cs"/>
+              </a:defRPr>
+            </a:lvl2pPr>
+            <a:lvl3pPr marL="1143000" indent="-228600" algn="l" defTabSz="914400" rtl="0" eaLnBrk="1" latinLnBrk="0" hangingPunct="1">
+              <a:lnSpc>
+                <a:spcPct val="90000"/>
+              </a:lnSpc>
+              <a:spcBef>
+                <a:spcPts val="500"/>
+              </a:spcBef>
+              <a:buFont typeface="Arial" panose="020B0604020202020204" pitchFamily="34" charset="0"/>
+              <a:buChar char="•"/>
+              <a:defRPr sz="2000" kern="1200">
+                <a:solidFill>
+                  <a:schemeClr val="tx1"/>
+                </a:solidFill>
+                <a:latin typeface="+mn-lt"/>
+                <a:ea typeface="+mn-ea"/>
+                <a:cs typeface="+mn-cs"/>
+              </a:defRPr>
+            </a:lvl3pPr>
+            <a:lvl4pPr marL="1600200" indent="-228600" algn="l" defTabSz="914400" rtl="0" eaLnBrk="1" latinLnBrk="0" hangingPunct="1">
+              <a:lnSpc>
+                <a:spcPct val="90000"/>
+              </a:lnSpc>
+              <a:spcBef>
+                <a:spcPts val="500"/>
+              </a:spcBef>
+              <a:buFont typeface="Arial" panose="020B0604020202020204" pitchFamily="34" charset="0"/>
+              <a:buChar char="•"/>
+              <a:defRPr sz="1800" kern="1200">
+                <a:solidFill>
+                  <a:schemeClr val="tx1"/>
+                </a:solidFill>
+                <a:latin typeface="+mn-lt"/>
+                <a:ea typeface="+mn-ea"/>
+                <a:cs typeface="+mn-cs"/>
+              </a:defRPr>
+            </a:lvl4pPr>
+            <a:lvl5pPr marL="2057400" indent="-228600" algn="l" defTabSz="914400" rtl="0" eaLnBrk="1" latinLnBrk="0" hangingPunct="1">
+              <a:lnSpc>
+                <a:spcPct val="90000"/>
+              </a:lnSpc>
+              <a:spcBef>
+                <a:spcPts val="500"/>
+              </a:spcBef>
+              <a:buFont typeface="Arial" panose="020B0604020202020204" pitchFamily="34" charset="0"/>
+              <a:buChar char="•"/>
+              <a:defRPr sz="1800" kern="1200">
+                <a:solidFill>
+                  <a:schemeClr val="tx1"/>
+                </a:solidFill>
+                <a:latin typeface="+mn-lt"/>
+                <a:ea typeface="+mn-ea"/>
+                <a:cs typeface="+mn-cs"/>
+              </a:defRPr>
+            </a:lvl5pPr>
+            <a:lvl6pPr marL="2514600" indent="-228600" algn="l" defTabSz="914400" rtl="0" eaLnBrk="1" latinLnBrk="0" hangingPunct="1">
+              <a:lnSpc>
+                <a:spcPct val="90000"/>
+              </a:lnSpc>
+              <a:spcBef>
+                <a:spcPts val="500"/>
+              </a:spcBef>
+              <a:buFont typeface="Arial" panose="020B0604020202020204" pitchFamily="34" charset="0"/>
+              <a:buChar char="•"/>
+              <a:defRPr sz="1800" kern="1200">
+                <a:solidFill>
+                  <a:schemeClr val="tx1"/>
+                </a:solidFill>
+                <a:latin typeface="+mn-lt"/>
+                <a:ea typeface="+mn-ea"/>
+                <a:cs typeface="+mn-cs"/>
+              </a:defRPr>
+            </a:lvl6pPr>
+            <a:lvl7pPr marL="2971800" indent="-228600" algn="l" defTabSz="914400" rtl="0" eaLnBrk="1" latinLnBrk="0" hangingPunct="1">
+              <a:lnSpc>
+                <a:spcPct val="90000"/>
+              </a:lnSpc>
+              <a:spcBef>
+                <a:spcPts val="500"/>
+              </a:spcBef>
+              <a:buFont typeface="Arial" panose="020B0604020202020204" pitchFamily="34" charset="0"/>
+              <a:buChar char="•"/>
+              <a:defRPr sz="1800" kern="1200">
+                <a:solidFill>
+                  <a:schemeClr val="tx1"/>
+                </a:solidFill>
+                <a:latin typeface="+mn-lt"/>
+                <a:ea typeface="+mn-ea"/>
+                <a:cs typeface="+mn-cs"/>
+              </a:defRPr>
+            </a:lvl7pPr>
+            <a:lvl8pPr marL="3429000" indent="-228600" algn="l" defTabSz="914400" rtl="0" eaLnBrk="1" latinLnBrk="0" hangingPunct="1">
+              <a:lnSpc>
+                <a:spcPct val="90000"/>
+              </a:lnSpc>
+              <a:spcBef>
+                <a:spcPts val="500"/>
+              </a:spcBef>
+              <a:buFont typeface="Arial" panose="020B0604020202020204" pitchFamily="34" charset="0"/>
+              <a:buChar char="•"/>
+              <a:defRPr sz="1800" kern="1200">
+                <a:solidFill>
+                  <a:schemeClr val="tx1"/>
+                </a:solidFill>
+                <a:latin typeface="+mn-lt"/>
+                <a:ea typeface="+mn-ea"/>
+                <a:cs typeface="+mn-cs"/>
+              </a:defRPr>
+            </a:lvl8pPr>
+            <a:lvl9pPr marL="3886200" indent="-228600" algn="l" defTabSz="914400" rtl="0" eaLnBrk="1" latinLnBrk="0" hangingPunct="1">
+              <a:lnSpc>
+                <a:spcPct val="90000"/>
+              </a:lnSpc>
+              <a:spcBef>
+                <a:spcPts val="500"/>
+              </a:spcBef>
+              <a:buFont typeface="Arial" panose="020B0604020202020204" pitchFamily="34" charset="0"/>
+              <a:buChar char="•"/>
+              <a:defRPr sz="1800" kern="1200">
+                <a:solidFill>
+                  <a:schemeClr val="tx1"/>
+                </a:solidFill>
+                <a:latin typeface="+mn-lt"/>
+                <a:ea typeface="+mn-ea"/>
+                <a:cs typeface="+mn-cs"/>
+              </a:defRPr>
+            </a:lvl9pPr>
+          </a:lstStyle>
+          <a:p>
+            <a:pPr marL="0" indent="0" algn="just">
+              <a:lnSpc>
+                <a:spcPct val="100000"/>
+              </a:lnSpc>
+              <a:buNone/>
+            </a:pPr>
+            <a:r>
+              <a:rPr lang="en-US" sz="1400" b="1" dirty="0">
+                <a:solidFill>
+                  <a:srgbClr val="595959"/>
+                </a:solidFill>
+                <a:latin typeface="Verdana"/>
+                <a:ea typeface="Verdana"/>
+                <a:cs typeface="+mn-lt"/>
+              </a:rPr>
+              <a:t>Create a webpage layout that consists of two sections: a header and a main content area. The header should contain a logo on the left and a navigation menu on the right,  aligned  horizontally. The main content area should  display a grid of four items, each with an image and a caption.</a:t>
+            </a:r>
+            <a:endParaRPr lang="en-US" dirty="0">
+              <a:cs typeface="Calibri"/>
+            </a:endParaRPr>
+          </a:p>
+          <a:p>
+            <a:pPr marL="0" indent="0" algn="just">
+              <a:lnSpc>
+                <a:spcPct val="100000"/>
+              </a:lnSpc>
+              <a:buNone/>
+            </a:pPr>
+            <a:endParaRPr lang="en-US" sz="1400" b="1" dirty="0">
+              <a:solidFill>
+                <a:srgbClr val="595959"/>
+              </a:solidFill>
+              <a:latin typeface="Verdana"/>
+              <a:ea typeface="Verdana"/>
+              <a:cs typeface="Calibri"/>
+            </a:endParaRPr>
+          </a:p>
+          <a:p>
+            <a:pPr marL="0" indent="0" algn="just">
+              <a:lnSpc>
+                <a:spcPct val="100000"/>
+              </a:lnSpc>
+              <a:buNone/>
+            </a:pPr>
+            <a:r>
+              <a:rPr lang="en-US" sz="1400" b="1" dirty="0">
+                <a:solidFill>
+                  <a:srgbClr val="595959"/>
+                </a:solidFill>
+                <a:latin typeface="Verdana"/>
+                <a:ea typeface="Verdana"/>
+                <a:cs typeface="+mn-lt"/>
+              </a:rPr>
+              <a:t>On small screens (max-width: 767px): </a:t>
+            </a:r>
+            <a:endParaRPr lang="en-US" sz="1400" b="1" dirty="0">
+              <a:solidFill>
+                <a:srgbClr val="000000"/>
+              </a:solidFill>
+              <a:latin typeface="Verdana"/>
+              <a:ea typeface="Verdana"/>
+              <a:cs typeface="+mn-lt"/>
+            </a:endParaRPr>
+          </a:p>
+          <a:p>
+            <a:pPr algn="just">
+              <a:lnSpc>
+                <a:spcPct val="100000"/>
+              </a:lnSpc>
+              <a:buFont typeface="Arial"/>
+            </a:pPr>
+            <a:r>
+              <a:rPr lang="en-US" sz="1400" dirty="0">
+                <a:solidFill>
+                  <a:srgbClr val="595959"/>
+                </a:solidFill>
+                <a:latin typeface="Verdana"/>
+                <a:ea typeface="Verdana"/>
+                <a:cs typeface="+mn-lt"/>
+              </a:rPr>
+              <a:t>Use CSS Flexbox to align the logo and navigation menu horizontally in the header.</a:t>
+            </a:r>
+            <a:endParaRPr lang="en-US" sz="1400" b="1" dirty="0">
+              <a:solidFill>
+                <a:srgbClr val="000000"/>
+              </a:solidFill>
+              <a:latin typeface="Verdana"/>
+              <a:ea typeface="Verdana"/>
+              <a:cs typeface="+mn-lt"/>
+            </a:endParaRPr>
+          </a:p>
+          <a:p>
+            <a:pPr algn="just">
+              <a:lnSpc>
+                <a:spcPct val="100000"/>
+              </a:lnSpc>
+              <a:buFont typeface="Arial"/>
+            </a:pPr>
+            <a:r>
+              <a:rPr lang="en-US" sz="1400" dirty="0">
+                <a:solidFill>
+                  <a:srgbClr val="595959"/>
+                </a:solidFill>
+                <a:latin typeface="Verdana"/>
+                <a:ea typeface="Verdana"/>
+                <a:cs typeface="+mn-lt"/>
+              </a:rPr>
+              <a:t>Utilize CSS Grid to arrange the four items in a 2x2 grid layout in the main content </a:t>
+            </a:r>
+            <a:br>
+              <a:rPr lang="en-US" sz="1400" dirty="0">
+                <a:solidFill>
+                  <a:srgbClr val="595959"/>
+                </a:solidFill>
+                <a:latin typeface="Verdana"/>
+                <a:ea typeface="Verdana"/>
+                <a:cs typeface="+mn-lt"/>
+              </a:rPr>
+            </a:br>
+            <a:r>
+              <a:rPr lang="en-US" sz="1400" dirty="0">
+                <a:solidFill>
+                  <a:srgbClr val="595959"/>
+                </a:solidFill>
+                <a:latin typeface="Verdana"/>
+                <a:ea typeface="Verdana"/>
+                <a:cs typeface="+mn-lt"/>
+              </a:rPr>
+              <a:t>area.</a:t>
+            </a:r>
+            <a:endParaRPr lang="en-US" sz="1400" b="1" dirty="0">
+              <a:solidFill>
+                <a:srgbClr val="000000"/>
+              </a:solidFill>
+              <a:latin typeface="Verdana"/>
+              <a:ea typeface="Verdana"/>
+              <a:cs typeface="+mn-lt"/>
+            </a:endParaRPr>
+          </a:p>
+          <a:p>
+            <a:pPr algn="just">
+              <a:lnSpc>
+                <a:spcPct val="100000"/>
+              </a:lnSpc>
+              <a:buFont typeface="Arial"/>
+            </a:pPr>
+            <a:r>
+              <a:rPr lang="en-US" sz="1400" dirty="0">
+                <a:solidFill>
+                  <a:srgbClr val="595959"/>
+                </a:solidFill>
+                <a:latin typeface="Verdana"/>
+                <a:ea typeface="Verdana"/>
+                <a:cs typeface="+mn-lt"/>
+              </a:rPr>
+              <a:t>Apply appropriate spacing and styling to achieve a visually appealing design.</a:t>
+            </a:r>
+            <a:endParaRPr lang="en-US" sz="1400" b="1" dirty="0">
+              <a:solidFill>
+                <a:srgbClr val="000000"/>
+              </a:solidFill>
+              <a:latin typeface="Verdana"/>
+              <a:ea typeface="Verdana"/>
+              <a:cs typeface="+mn-lt"/>
+            </a:endParaRPr>
+          </a:p>
+          <a:p>
+            <a:pPr algn="just">
+              <a:lnSpc>
+                <a:spcPct val="100000"/>
+              </a:lnSpc>
+              <a:buFont typeface="Arial"/>
+            </a:pPr>
+            <a:r>
+              <a:rPr lang="en-US" sz="1400" dirty="0">
+                <a:solidFill>
+                  <a:srgbClr val="595959"/>
+                </a:solidFill>
+                <a:latin typeface="Verdana"/>
+                <a:ea typeface="Verdana"/>
+                <a:cs typeface="+mn-lt"/>
+              </a:rPr>
+              <a:t>Make the layout responsive, ensuring that it adapts gracefully to different screen </a:t>
+            </a:r>
+            <a:br>
+              <a:rPr lang="en-US" sz="1400" dirty="0">
+                <a:solidFill>
+                  <a:srgbClr val="595959"/>
+                </a:solidFill>
+                <a:latin typeface="Verdana"/>
+                <a:ea typeface="Verdana"/>
+                <a:cs typeface="+mn-lt"/>
+              </a:rPr>
+            </a:br>
+            <a:r>
+              <a:rPr lang="en-US" sz="1400" dirty="0">
+                <a:solidFill>
+                  <a:srgbClr val="595959"/>
+                </a:solidFill>
+                <a:latin typeface="Verdana"/>
+                <a:ea typeface="Verdana"/>
+                <a:cs typeface="+mn-lt"/>
+              </a:rPr>
+              <a:t>sizes.</a:t>
+            </a:r>
+            <a:endParaRPr lang="en-US" sz="1400" b="1" dirty="0">
+              <a:solidFill>
+                <a:srgbClr val="000000"/>
+              </a:solidFill>
+              <a:latin typeface="Verdana"/>
+              <a:ea typeface="Verdana"/>
+              <a:cs typeface="+mn-lt"/>
+            </a:endParaRPr>
+          </a:p>
+          <a:p>
+            <a:pPr algn="just">
+              <a:lnSpc>
+                <a:spcPct val="100000"/>
+              </a:lnSpc>
+              <a:buFont typeface="Arial"/>
+            </a:pPr>
+            <a:r>
+              <a:rPr lang="en-US" sz="1400" dirty="0">
+                <a:solidFill>
+                  <a:srgbClr val="595959"/>
+                </a:solidFill>
+                <a:latin typeface="Verdana"/>
+                <a:ea typeface="Verdana"/>
+                <a:cs typeface="+mn-lt"/>
+              </a:rPr>
+              <a:t>Implement a JavaScript functionality where clicking on an item in the grid will display </a:t>
+            </a:r>
+            <a:br>
+              <a:rPr lang="en-US" sz="1400" dirty="0">
+                <a:solidFill>
+                  <a:srgbClr val="595959"/>
+                </a:solidFill>
+                <a:latin typeface="Verdana"/>
+                <a:ea typeface="Verdana"/>
+                <a:cs typeface="+mn-lt"/>
+              </a:rPr>
+            </a:br>
+            <a:r>
+              <a:rPr lang="en-US" sz="1400" dirty="0">
+                <a:solidFill>
+                  <a:srgbClr val="595959"/>
+                </a:solidFill>
+                <a:latin typeface="Verdana"/>
+                <a:ea typeface="Verdana"/>
+                <a:cs typeface="+mn-lt"/>
+              </a:rPr>
+              <a:t>a modal with additional details about the item</a:t>
+            </a:r>
+            <a:endParaRPr lang="en-US" sz="1400" b="1" dirty="0">
+              <a:solidFill>
+                <a:srgbClr val="000000"/>
+              </a:solidFill>
+              <a:latin typeface="Verdana"/>
+              <a:ea typeface="Verdana"/>
+              <a:cs typeface="+mn-lt"/>
+            </a:endParaRPr>
+          </a:p>
+          <a:p>
+            <a:pPr algn="just">
+              <a:lnSpc>
+                <a:spcPct val="100000"/>
+              </a:lnSpc>
+              <a:buFont typeface="Arial"/>
+            </a:pPr>
+            <a:endParaRPr lang="en-US" sz="1400" dirty="0">
+              <a:solidFill>
+                <a:srgbClr val="000000"/>
+              </a:solidFill>
+              <a:latin typeface="Calibri" panose="020F0502020204030204"/>
+              <a:ea typeface="Verdana"/>
+              <a:cs typeface="+mn-lt"/>
+            </a:endParaRPr>
+          </a:p>
+        </p:txBody>
+      </p:sp>
+      <p:pic>
+        <p:nvPicPr>
+          <p:cNvPr id="11" name="Picture 6">
+            <a:extLst>
+              <a:ext uri="{FF2B5EF4-FFF2-40B4-BE49-F238E27FC236}">
+                <a16:creationId xmlns:a16="http://schemas.microsoft.com/office/drawing/2014/main" id="{6CEB7992-21B2-4BA3-A687-E881C8064205}"/>
+              </a:ext>
+            </a:extLst>
+          </p:cNvPr>
+          <p:cNvPicPr>
+            <a:picLocks noChangeAspect="1"/>
+          </p:cNvPicPr>
+          <p:nvPr/>
+        </p:nvPicPr>
+        <p:blipFill>
+          <a:blip r:embed="rId2"/>
+          <a:stretch>
+            <a:fillRect/>
+          </a:stretch>
+        </p:blipFill>
+        <p:spPr>
+          <a:xfrm>
+            <a:off x="10460965" y="5615348"/>
+            <a:ext cx="1607389" cy="1162585"/>
+          </a:xfrm>
+          <a:prstGeom prst="rect">
+            <a:avLst/>
+          </a:prstGeom>
+        </p:spPr>
+      </p:pic>
+      <p:sp>
+        <p:nvSpPr>
+          <p:cNvPr id="14" name="Rectangle 13">
+            <a:extLst>
+              <a:ext uri="{FF2B5EF4-FFF2-40B4-BE49-F238E27FC236}">
+                <a16:creationId xmlns:a16="http://schemas.microsoft.com/office/drawing/2014/main" id="{9A3AF3AA-F37E-47A5-741D-59A320B805A3}"/>
+              </a:ext>
+            </a:extLst>
+          </p:cNvPr>
+          <p:cNvSpPr/>
+          <p:nvPr/>
+        </p:nvSpPr>
+        <p:spPr>
+          <a:xfrm>
+            <a:off x="-804" y="6576738"/>
+            <a:ext cx="10322942" cy="273169"/>
+          </a:xfrm>
+          <a:prstGeom prst="rect">
+            <a:avLst/>
+          </a:prstGeom>
+          <a:solidFill>
+            <a:srgbClr val="E62532"/>
+          </a:solidFill>
+          <a:ln>
+            <a:noFill/>
+          </a:ln>
+        </p:spPr>
+        <p:style>
+          <a:lnRef idx="2">
+            <a:schemeClr val="accent1">
+              <a:shade val="15000"/>
+            </a:schemeClr>
+          </a:lnRef>
+          <a:fillRef idx="1">
+            <a:schemeClr val="accent1"/>
+          </a:fillRef>
+          <a:effectRef idx="0">
+            <a:schemeClr val="accent1"/>
+          </a:effectRef>
+          <a:fontRef idx="minor">
+            <a:schemeClr val="lt1"/>
+          </a:fontRef>
+        </p:style>
+        <p:txBody>
+          <a:bodyPr rtlCol="0" anchor="ctr"/>
+          <a:lstStyle/>
+          <a:p>
+            <a:pPr algn="ctr"/>
+            <a:endParaRPr lang="en-US"/>
+          </a:p>
+        </p:txBody>
+      </p:sp>
+    </p:spTree>
+    <p:extLst>
+      <p:ext uri="{BB962C8B-B14F-4D97-AF65-F5344CB8AC3E}">
+        <p14:creationId xmlns:p14="http://schemas.microsoft.com/office/powerpoint/2010/main" val="3699087045"/>
+      </p:ext>
+    </p:extLst>
+  </p:cSld>
+  <p:clrMapOvr>
+    <a:masterClrMapping/>
+  </p:clrMapOvr>
+</p:sld>
+</file>
+
+<file path=ppt/slides/slide21.xml><?xml version="1.0" encoding="utf-8"?>
+<p:sld xmlns:a="http://schemas.openxmlformats.org/drawingml/2006/main" xmlns:r="http://schemas.openxmlformats.org/officeDocument/2006/relationships" xmlns:p="http://schemas.openxmlformats.org/presentationml/2006/main">
+  <p:cSld>
+    <p:spTree>
+      <p:nvGrpSpPr>
+        <p:cNvPr id="1" name=""/>
+        <p:cNvGrpSpPr/>
+        <p:nvPr/>
+      </p:nvGrpSpPr>
+      <p:grpSpPr>
+        <a:xfrm>
+          <a:off x="0" y="0"/>
+          <a:ext cx="0" cy="0"/>
+          <a:chOff x="0" y="0"/>
+          <a:chExt cx="0" cy="0"/>
+        </a:xfrm>
+      </p:grpSpPr>
+      <p:sp>
+        <p:nvSpPr>
+          <p:cNvPr id="2" name="Title 1">
+            <a:extLst>
+              <a:ext uri="{FF2B5EF4-FFF2-40B4-BE49-F238E27FC236}">
+                <a16:creationId xmlns:a16="http://schemas.microsoft.com/office/drawing/2014/main" id="{F0513718-A6D0-3B0E-39A7-F54A6A08526D}"/>
+              </a:ext>
+            </a:extLst>
+          </p:cNvPr>
+          <p:cNvSpPr>
+            <a:spLocks noGrp="1"/>
+          </p:cNvSpPr>
+          <p:nvPr>
+            <p:ph type="title"/>
+          </p:nvPr>
+        </p:nvSpPr>
+        <p:spPr>
+          <a:xfrm>
+            <a:off x="766313" y="365125"/>
+            <a:ext cx="10644996" cy="1325563"/>
+          </a:xfrm>
+        </p:spPr>
+        <p:txBody>
+          <a:bodyPr vert="horz" lIns="91440" tIns="45720" rIns="91440" bIns="45720" rtlCol="0" anchor="ctr">
+            <a:noAutofit/>
+          </a:bodyPr>
+          <a:lstStyle/>
+          <a:p>
+            <a:pPr algn="ctr"/>
+            <a:r>
+              <a:rPr lang="en-US" sz="2800" b="1" dirty="0">
+                <a:solidFill>
+                  <a:srgbClr val="E62532"/>
+                </a:solidFill>
+                <a:latin typeface="Verdana"/>
+                <a:ea typeface="Verdana"/>
+                <a:cs typeface="+mj-lt"/>
+              </a:rPr>
+              <a:t>Unit types, font scaling and line-height</a:t>
+            </a:r>
+            <a:endParaRPr lang="en-US" dirty="0"/>
+          </a:p>
+        </p:txBody>
+      </p:sp>
+      <p:pic>
+        <p:nvPicPr>
+          <p:cNvPr id="6" name="Picture 6">
+            <a:extLst>
+              <a:ext uri="{FF2B5EF4-FFF2-40B4-BE49-F238E27FC236}">
+                <a16:creationId xmlns:a16="http://schemas.microsoft.com/office/drawing/2014/main" id="{3BD37F42-0C5D-0FC6-794D-507719695323}"/>
+              </a:ext>
+            </a:extLst>
+          </p:cNvPr>
+          <p:cNvPicPr>
+            <a:picLocks noChangeAspect="1"/>
+          </p:cNvPicPr>
+          <p:nvPr/>
+        </p:nvPicPr>
+        <p:blipFill>
+          <a:blip r:embed="rId2"/>
+          <a:stretch>
+            <a:fillRect/>
+          </a:stretch>
+        </p:blipFill>
+        <p:spPr>
+          <a:xfrm>
+            <a:off x="10460965" y="5615348"/>
+            <a:ext cx="1607389" cy="1162585"/>
+          </a:xfrm>
+          <a:prstGeom prst="rect">
+            <a:avLst/>
+          </a:prstGeom>
+        </p:spPr>
+      </p:pic>
+      <p:cxnSp>
+        <p:nvCxnSpPr>
+          <p:cNvPr id="7" name="Straight Arrow Connector 6">
+            <a:extLst>
+              <a:ext uri="{FF2B5EF4-FFF2-40B4-BE49-F238E27FC236}">
+                <a16:creationId xmlns:a16="http://schemas.microsoft.com/office/drawing/2014/main" id="{352C72ED-4644-C3F7-62B6-394E59BE7FB0}"/>
+              </a:ext>
+            </a:extLst>
+          </p:cNvPr>
+          <p:cNvCxnSpPr/>
+          <p:nvPr/>
+        </p:nvCxnSpPr>
+        <p:spPr>
+          <a:xfrm flipV="1">
+            <a:off x="2781934" y="1297715"/>
+            <a:ext cx="1095950" cy="13221"/>
+          </a:xfrm>
+          <a:prstGeom prst="straightConnector1">
+            <a:avLst/>
+          </a:prstGeom>
+          <a:ln w="57150">
+            <a:solidFill>
+              <a:srgbClr val="E62532"/>
+            </a:solidFill>
+          </a:ln>
+        </p:spPr>
+        <p:style>
+          <a:lnRef idx="3">
+            <a:schemeClr val="accent2"/>
+          </a:lnRef>
+          <a:fillRef idx="0">
+            <a:schemeClr val="accent2"/>
+          </a:fillRef>
+          <a:effectRef idx="2">
+            <a:schemeClr val="accent2"/>
+          </a:effectRef>
+          <a:fontRef idx="minor">
+            <a:schemeClr val="tx1"/>
+          </a:fontRef>
+        </p:style>
+      </p:cxnSp>
+      <p:sp>
+        <p:nvSpPr>
+          <p:cNvPr id="13" name="Content Placeholder 2">
+            <a:extLst>
+              <a:ext uri="{FF2B5EF4-FFF2-40B4-BE49-F238E27FC236}">
+                <a16:creationId xmlns:a16="http://schemas.microsoft.com/office/drawing/2014/main" id="{9581D807-80C3-35CE-843E-4476700155CF}"/>
+              </a:ext>
+            </a:extLst>
+          </p:cNvPr>
+          <p:cNvSpPr>
+            <a:spLocks noGrp="1"/>
+          </p:cNvSpPr>
+          <p:nvPr>
+            <p:ph idx="1"/>
+          </p:nvPr>
+        </p:nvSpPr>
+        <p:spPr>
+          <a:xfrm>
+            <a:off x="967596" y="1983776"/>
+            <a:ext cx="10256806" cy="3416810"/>
+          </a:xfrm>
+        </p:spPr>
+        <p:txBody>
+          <a:bodyPr vert="horz" lIns="91440" tIns="45720" rIns="91440" bIns="45720" rtlCol="0" anchor="t">
+            <a:noAutofit/>
+          </a:bodyPr>
+          <a:lstStyle/>
+          <a:p>
+            <a:pPr algn="just">
+              <a:lnSpc>
+                <a:spcPct val="100000"/>
+              </a:lnSpc>
+            </a:pPr>
+            <a:r>
+              <a:rPr lang="en-US" sz="1600" b="1" dirty="0">
+                <a:solidFill>
+                  <a:srgbClr val="595959"/>
+                </a:solidFill>
+                <a:latin typeface="Verdana"/>
+                <a:ea typeface="Verdana"/>
+                <a:cs typeface="+mn-lt"/>
+              </a:rPr>
+              <a:t> Unit types for font sizes:</a:t>
+            </a:r>
+            <a:r>
+              <a:rPr lang="en-US" sz="1600" dirty="0">
+                <a:solidFill>
+                  <a:srgbClr val="595959"/>
+                </a:solidFill>
+                <a:latin typeface="Verdana"/>
+                <a:ea typeface="Verdana"/>
+                <a:cs typeface="+mn-lt"/>
+              </a:rPr>
+              <a:t> Pixels (</a:t>
+            </a:r>
+            <a:r>
+              <a:rPr lang="en-US" sz="1600" dirty="0" err="1">
+                <a:solidFill>
+                  <a:srgbClr val="595959"/>
+                </a:solidFill>
+                <a:latin typeface="Verdana"/>
+                <a:ea typeface="Verdana"/>
+                <a:cs typeface="+mn-lt"/>
+              </a:rPr>
+              <a:t>px</a:t>
+            </a:r>
+            <a:r>
+              <a:rPr lang="en-US" sz="1600" dirty="0">
+                <a:solidFill>
+                  <a:srgbClr val="595959"/>
+                </a:solidFill>
+                <a:latin typeface="Verdana"/>
+                <a:ea typeface="Verdana"/>
+                <a:cs typeface="+mn-lt"/>
+              </a:rPr>
+              <a:t>), </a:t>
+            </a:r>
+            <a:r>
+              <a:rPr lang="en-US" sz="1600" dirty="0" err="1">
+                <a:solidFill>
+                  <a:srgbClr val="595959"/>
+                </a:solidFill>
+                <a:latin typeface="Verdana"/>
+                <a:ea typeface="Verdana"/>
+                <a:cs typeface="+mn-lt"/>
+              </a:rPr>
+              <a:t>em</a:t>
+            </a:r>
+            <a:r>
+              <a:rPr lang="en-US" sz="1600" dirty="0">
+                <a:solidFill>
+                  <a:srgbClr val="595959"/>
+                </a:solidFill>
+                <a:latin typeface="Verdana"/>
+                <a:ea typeface="Verdana"/>
+                <a:cs typeface="+mn-lt"/>
+              </a:rPr>
+              <a:t>, rem, and percentages (%).</a:t>
+            </a:r>
+            <a:endParaRPr lang="en-US" dirty="0">
+              <a:solidFill>
+                <a:srgbClr val="000000"/>
+              </a:solidFill>
+              <a:latin typeface="Calibri"/>
+              <a:ea typeface="Verdana"/>
+              <a:cs typeface="+mn-lt"/>
+            </a:endParaRPr>
+          </a:p>
+          <a:p>
+            <a:pPr algn="just">
+              <a:lnSpc>
+                <a:spcPct val="100000"/>
+              </a:lnSpc>
+            </a:pPr>
+            <a:r>
+              <a:rPr lang="en-US" sz="1600" b="1" dirty="0">
+                <a:solidFill>
+                  <a:srgbClr val="595959"/>
+                </a:solidFill>
+                <a:latin typeface="Verdana"/>
+                <a:ea typeface="Verdana"/>
+                <a:cs typeface="+mn-lt"/>
+              </a:rPr>
+              <a:t>Font scaling techniques:</a:t>
+            </a:r>
+            <a:r>
+              <a:rPr lang="en-US" sz="1600" dirty="0">
+                <a:solidFill>
+                  <a:srgbClr val="595959"/>
+                </a:solidFill>
+                <a:latin typeface="Verdana"/>
+                <a:ea typeface="Verdana"/>
+                <a:cs typeface="+mn-lt"/>
+              </a:rPr>
+              <a:t> Using relative units (</a:t>
+            </a:r>
+            <a:r>
+              <a:rPr lang="en-US" sz="1600" dirty="0" err="1">
+                <a:solidFill>
+                  <a:srgbClr val="595959"/>
+                </a:solidFill>
+                <a:latin typeface="Verdana"/>
+                <a:ea typeface="Verdana"/>
+                <a:cs typeface="+mn-lt"/>
+              </a:rPr>
+              <a:t>em</a:t>
+            </a:r>
+            <a:r>
+              <a:rPr lang="en-US" sz="1600" dirty="0">
+                <a:solidFill>
+                  <a:srgbClr val="595959"/>
+                </a:solidFill>
+                <a:latin typeface="Verdana"/>
+                <a:ea typeface="Verdana"/>
+                <a:cs typeface="+mn-lt"/>
+              </a:rPr>
+              <a:t>, rem) for font sizes, applying media queries for responsive font scaling.</a:t>
+            </a:r>
+            <a:endParaRPr lang="en-US" dirty="0">
+              <a:solidFill>
+                <a:srgbClr val="000000"/>
+              </a:solidFill>
+              <a:latin typeface="Calibri"/>
+              <a:ea typeface="Verdana"/>
+              <a:cs typeface="+mn-lt"/>
+            </a:endParaRPr>
+          </a:p>
+          <a:p>
+            <a:pPr algn="just">
+              <a:lnSpc>
+                <a:spcPct val="100000"/>
+              </a:lnSpc>
+            </a:pPr>
+            <a:r>
+              <a:rPr lang="en-US" sz="1600" b="1" dirty="0">
+                <a:solidFill>
+                  <a:srgbClr val="595959"/>
+                </a:solidFill>
+                <a:latin typeface="Verdana"/>
+                <a:ea typeface="Verdana"/>
+                <a:cs typeface="+mn-lt"/>
+              </a:rPr>
+              <a:t>Importance of line-height:</a:t>
+            </a:r>
+            <a:r>
+              <a:rPr lang="en-US" sz="1600" dirty="0">
+                <a:solidFill>
+                  <a:srgbClr val="595959"/>
+                </a:solidFill>
+                <a:latin typeface="Verdana"/>
+                <a:ea typeface="Verdana"/>
+                <a:cs typeface="+mn-lt"/>
+              </a:rPr>
+              <a:t> Enhances readability and visual spacing between lines of text.</a:t>
+            </a:r>
+            <a:endParaRPr lang="en-US" dirty="0">
+              <a:solidFill>
+                <a:srgbClr val="000000"/>
+              </a:solidFill>
+              <a:latin typeface="Calibri"/>
+              <a:ea typeface="Verdana"/>
+              <a:cs typeface="+mn-lt"/>
+            </a:endParaRPr>
+          </a:p>
+          <a:p>
+            <a:pPr algn="just">
+              <a:lnSpc>
+                <a:spcPct val="100000"/>
+              </a:lnSpc>
+            </a:pPr>
+            <a:r>
+              <a:rPr lang="en-US" sz="1600" b="1" dirty="0">
+                <a:solidFill>
+                  <a:srgbClr val="595959"/>
+                </a:solidFill>
+                <a:latin typeface="Verdana"/>
+                <a:ea typeface="Verdana"/>
+                <a:cs typeface="+mn-lt"/>
+              </a:rPr>
+              <a:t>Adjusting line-height:</a:t>
+            </a:r>
+            <a:r>
+              <a:rPr lang="en-US" sz="1600" dirty="0">
+                <a:solidFill>
+                  <a:srgbClr val="595959"/>
+                </a:solidFill>
+                <a:latin typeface="Verdana"/>
+                <a:ea typeface="Verdana"/>
+                <a:cs typeface="+mn-lt"/>
+              </a:rPr>
+              <a:t> Consider font size, line length, and content to determine an appropriate line-height value.</a:t>
+            </a:r>
+            <a:endParaRPr lang="en-US" dirty="0">
+              <a:solidFill>
+                <a:srgbClr val="000000"/>
+              </a:solidFill>
+              <a:latin typeface="Calibri"/>
+              <a:ea typeface="Verdana"/>
+              <a:cs typeface="+mn-lt"/>
+            </a:endParaRPr>
+          </a:p>
+          <a:p>
+            <a:pPr algn="just">
+              <a:lnSpc>
+                <a:spcPct val="100000"/>
+              </a:lnSpc>
+            </a:pPr>
+            <a:r>
+              <a:rPr lang="en-US" sz="1600" b="1" dirty="0">
+                <a:solidFill>
+                  <a:srgbClr val="595959"/>
+                </a:solidFill>
+                <a:latin typeface="Verdana"/>
+                <a:ea typeface="Verdana"/>
+                <a:cs typeface="+mn-lt"/>
+              </a:rPr>
+              <a:t>Unitless line-height:</a:t>
+            </a:r>
+            <a:r>
+              <a:rPr lang="en-US" sz="1600" dirty="0">
+                <a:solidFill>
+                  <a:srgbClr val="595959"/>
+                </a:solidFill>
+                <a:latin typeface="Verdana"/>
+                <a:ea typeface="Verdana"/>
+                <a:cs typeface="+mn-lt"/>
+              </a:rPr>
+              <a:t> Using a unitless value maintains a consistent line-height regardless of font size.</a:t>
+            </a:r>
+            <a:endParaRPr lang="en-US" dirty="0">
+              <a:solidFill>
+                <a:srgbClr val="000000"/>
+              </a:solidFill>
+              <a:latin typeface="Calibri"/>
+              <a:ea typeface="Verdana"/>
+              <a:cs typeface="+mn-lt"/>
+            </a:endParaRPr>
+          </a:p>
+          <a:p>
+            <a:pPr algn="just">
+              <a:lnSpc>
+                <a:spcPct val="100000"/>
+              </a:lnSpc>
+            </a:pPr>
+            <a:r>
+              <a:rPr lang="en-US" sz="1600" b="1" dirty="0">
+                <a:solidFill>
+                  <a:srgbClr val="595959"/>
+                </a:solidFill>
+                <a:latin typeface="Verdana"/>
+                <a:ea typeface="Verdana"/>
+                <a:cs typeface="+mn-lt"/>
+              </a:rPr>
+              <a:t>Responsive typography:</a:t>
+            </a:r>
+            <a:r>
+              <a:rPr lang="en-US" sz="1600" dirty="0">
+                <a:solidFill>
+                  <a:srgbClr val="595959"/>
+                </a:solidFill>
+                <a:latin typeface="Verdana"/>
+                <a:ea typeface="Verdana"/>
+                <a:cs typeface="+mn-lt"/>
+              </a:rPr>
+              <a:t> Implementing fluid typography techniques for seamless font scaling across different devices.</a:t>
+            </a:r>
+            <a:endParaRPr lang="en-US" dirty="0">
+              <a:solidFill>
+                <a:srgbClr val="000000"/>
+              </a:solidFill>
+              <a:latin typeface="Calibri"/>
+              <a:ea typeface="Verdana"/>
+              <a:cs typeface="+mn-lt"/>
+            </a:endParaRPr>
+          </a:p>
+          <a:p>
+            <a:pPr algn="just">
+              <a:lnSpc>
+                <a:spcPct val="100000"/>
+              </a:lnSpc>
+            </a:pPr>
+            <a:endParaRPr lang="en-US" sz="1600" dirty="0">
+              <a:solidFill>
+                <a:srgbClr val="595959"/>
+              </a:solidFill>
+              <a:latin typeface="Verdana"/>
+              <a:ea typeface="Verdana"/>
+              <a:cs typeface="Calibri"/>
+            </a:endParaRPr>
+          </a:p>
+        </p:txBody>
+      </p:sp>
+      <p:sp>
+        <p:nvSpPr>
+          <p:cNvPr id="17" name="Rectangle 16">
+            <a:extLst>
+              <a:ext uri="{FF2B5EF4-FFF2-40B4-BE49-F238E27FC236}">
+                <a16:creationId xmlns:a16="http://schemas.microsoft.com/office/drawing/2014/main" id="{3B591AAE-B4C6-F1A5-E84B-15856BD0DB96}"/>
+              </a:ext>
+            </a:extLst>
+          </p:cNvPr>
+          <p:cNvSpPr/>
+          <p:nvPr/>
+        </p:nvSpPr>
+        <p:spPr>
+          <a:xfrm>
+            <a:off x="-804" y="6576738"/>
+            <a:ext cx="10322942" cy="273169"/>
+          </a:xfrm>
+          <a:prstGeom prst="rect">
+            <a:avLst/>
+          </a:prstGeom>
+          <a:solidFill>
+            <a:srgbClr val="E62532"/>
+          </a:solidFill>
+          <a:ln>
+            <a:noFill/>
+          </a:ln>
+        </p:spPr>
+        <p:style>
+          <a:lnRef idx="2">
+            <a:schemeClr val="accent1">
+              <a:shade val="15000"/>
+            </a:schemeClr>
+          </a:lnRef>
+          <a:fillRef idx="1">
+            <a:schemeClr val="accent1"/>
+          </a:fillRef>
+          <a:effectRef idx="0">
+            <a:schemeClr val="accent1"/>
+          </a:effectRef>
+          <a:fontRef idx="minor">
+            <a:schemeClr val="lt1"/>
+          </a:fontRef>
+        </p:style>
+        <p:txBody>
+          <a:bodyPr rtlCol="0" anchor="ctr"/>
+          <a:lstStyle/>
+          <a:p>
+            <a:pPr algn="ctr"/>
+            <a:endParaRPr lang="en-US"/>
+          </a:p>
+        </p:txBody>
+      </p:sp>
+    </p:spTree>
+    <p:extLst>
+      <p:ext uri="{BB962C8B-B14F-4D97-AF65-F5344CB8AC3E}">
+        <p14:creationId xmlns:p14="http://schemas.microsoft.com/office/powerpoint/2010/main" val="4024693990"/>
+      </p:ext>
+    </p:extLst>
+  </p:cSld>
+  <p:clrMapOvr>
+    <a:masterClrMapping/>
+  </p:clrMapOvr>
+</p:sld>
+</file>
+
+<file path=ppt/slides/slide22.xml><?xml version="1.0" encoding="utf-8"?>
+<p:sld xmlns:a="http://schemas.openxmlformats.org/drawingml/2006/main" xmlns:r="http://schemas.openxmlformats.org/officeDocument/2006/relationships" xmlns:p="http://schemas.openxmlformats.org/presentationml/2006/main">
+  <p:cSld>
+    <p:spTree>
+      <p:nvGrpSpPr>
+        <p:cNvPr id="1" name=""/>
+        <p:cNvGrpSpPr/>
+        <p:nvPr/>
+      </p:nvGrpSpPr>
+      <p:grpSpPr>
+        <a:xfrm>
+          <a:off x="0" y="0"/>
+          <a:ext cx="0" cy="0"/>
+          <a:chOff x="0" y="0"/>
+          <a:chExt cx="0" cy="0"/>
+        </a:xfrm>
+      </p:grpSpPr>
+      <p:sp>
+        <p:nvSpPr>
+          <p:cNvPr id="2" name="Title 1">
+            <a:extLst>
+              <a:ext uri="{FF2B5EF4-FFF2-40B4-BE49-F238E27FC236}">
+                <a16:creationId xmlns:a16="http://schemas.microsoft.com/office/drawing/2014/main" id="{F0513718-A6D0-3B0E-39A7-F54A6A08526D}"/>
+              </a:ext>
+            </a:extLst>
+          </p:cNvPr>
+          <p:cNvSpPr>
+            <a:spLocks noGrp="1"/>
+          </p:cNvSpPr>
+          <p:nvPr>
+            <p:ph type="title"/>
+          </p:nvPr>
+        </p:nvSpPr>
+        <p:spPr>
+          <a:xfrm>
             <a:off x="766313" y="365125"/>
             <a:ext cx="10644996" cy="1325563"/>
           </a:xfrm>
@@ -10039,7 +11233,7 @@
                 <a:ea typeface="Verdana"/>
                 <a:cs typeface="+mn-lt"/>
               </a:rPr>
-              <a:t>F Choosing appropriate font families and styles for readability.</a:t>
+              <a:t>Choosing appropriate font families and styles for readability.</a:t>
             </a:r>
           </a:p>
           <a:p>
@@ -10156,7 +11350,7 @@
               </a:lnSpc>
             </a:pPr>
             <a:r>
-              <a:rPr lang="en-US" sz="1600" dirty="0" err="1">
+              <a:rPr lang="en-US" sz="1600" dirty="0">
                 <a:solidFill>
                   <a:srgbClr val="595959"/>
                 </a:solidFill>
@@ -10164,29 +11358,18 @@
                 <a:ea typeface="Verdana"/>
                 <a:cs typeface="Calibri"/>
               </a:rPr>
-              <a:t>F</a:t>
-            </a:r>
-            <a:r>
-              <a:rPr lang="en-US" sz="1600" dirty="0" err="1">
-                <a:solidFill>
-                  <a:srgbClr val="595959"/>
-                </a:solidFill>
-                <a:latin typeface="Verdana"/>
-                <a:ea typeface="Verdana"/>
-                <a:cs typeface="+mn-lt"/>
-              </a:rPr>
-              <a:t>Checking</a:t>
-            </a:r>
-            <a:r>
-              <a:rPr lang="en-US" sz="1600" dirty="0">
-                <a:solidFill>
-                  <a:srgbClr val="595959"/>
-                </a:solidFill>
-                <a:latin typeface="Verdana"/>
-                <a:ea typeface="Verdana"/>
-                <a:cs typeface="+mn-lt"/>
-              </a:rPr>
-              <a:t> text legibility on different devices and screen resolutions.</a:t>
+              <a:t>C</a:t>
+            </a:r>
+            <a:r>
+              <a:rPr lang="en-US" sz="1600" dirty="0">
+                <a:solidFill>
+                  <a:srgbClr val="595959"/>
+                </a:solidFill>
+                <a:latin typeface="Verdana"/>
+                <a:ea typeface="Verdana"/>
+                <a:cs typeface="+mn-lt"/>
+              </a:rPr>
+              <a:t>hecking text legibility on different devices and screen resolutions.</a:t>
             </a:r>
           </a:p>
           <a:p>
@@ -10266,7 +11449,7 @@
               </a:rPr>
               <a:t>quality and load times</a:t>
             </a:r>
-            <a:endParaRPr lang="en-US" sz="1600">
+            <a:endParaRPr lang="en-US" sz="1600" dirty="0">
               <a:solidFill>
                 <a:srgbClr val="595959"/>
               </a:solidFill>
@@ -10842,1204 +12025,6 @@
     <p:extLst>
       <p:ext uri="{BB962C8B-B14F-4D97-AF65-F5344CB8AC3E}">
         <p14:creationId xmlns:p14="http://schemas.microsoft.com/office/powerpoint/2010/main" val="2395427827"/>
-      </p:ext>
-    </p:extLst>
-  </p:cSld>
-  <p:clrMapOvr>
-    <a:masterClrMapping/>
-  </p:clrMapOvr>
-</p:sld>
-</file>
-
-<file path=ppt/slides/slide21.xml><?xml version="1.0" encoding="utf-8"?>
-<p:sld xmlns:a="http://schemas.openxmlformats.org/drawingml/2006/main" xmlns:r="http://schemas.openxmlformats.org/officeDocument/2006/relationships" xmlns:p="http://schemas.openxmlformats.org/presentationml/2006/main">
-  <p:cSld>
-    <p:spTree>
-      <p:nvGrpSpPr>
-        <p:cNvPr id="1" name=""/>
-        <p:cNvGrpSpPr/>
-        <p:nvPr/>
-      </p:nvGrpSpPr>
-      <p:grpSpPr>
-        <a:xfrm>
-          <a:off x="0" y="0"/>
-          <a:ext cx="0" cy="0"/>
-          <a:chOff x="0" y="0"/>
-          <a:chExt cx="0" cy="0"/>
-        </a:xfrm>
-      </p:grpSpPr>
-      <p:sp>
-        <p:nvSpPr>
-          <p:cNvPr id="2" name="Title 1">
-            <a:extLst>
-              <a:ext uri="{FF2B5EF4-FFF2-40B4-BE49-F238E27FC236}">
-                <a16:creationId xmlns:a16="http://schemas.microsoft.com/office/drawing/2014/main" id="{F0513718-A6D0-3B0E-39A7-F54A6A08526D}"/>
-              </a:ext>
-            </a:extLst>
-          </p:cNvPr>
-          <p:cNvSpPr>
-            <a:spLocks noGrp="1"/>
-          </p:cNvSpPr>
-          <p:nvPr>
-            <p:ph type="title"/>
-          </p:nvPr>
-        </p:nvSpPr>
-        <p:spPr>
-          <a:xfrm>
-            <a:off x="838200" y="293237"/>
-            <a:ext cx="10515600" cy="1325563"/>
-          </a:xfrm>
-        </p:spPr>
-        <p:txBody>
-          <a:bodyPr vert="horz" lIns="91440" tIns="45720" rIns="91440" bIns="45720" rtlCol="0" anchor="ctr">
-            <a:noAutofit/>
-          </a:bodyPr>
-          <a:lstStyle/>
-          <a:p>
-            <a:pPr algn="ctr"/>
-            <a:r>
-              <a:rPr lang="en-US" sz="3000" b="1" dirty="0">
-                <a:solidFill>
-                  <a:srgbClr val="E62532"/>
-                </a:solidFill>
-                <a:latin typeface="Verdana"/>
-                <a:ea typeface="Verdana"/>
-                <a:cs typeface="Calibri"/>
-              </a:rPr>
-              <a:t>Exercise 5 </a:t>
-            </a:r>
-            <a:endParaRPr lang="en-US" dirty="0"/>
-          </a:p>
-        </p:txBody>
-      </p:sp>
-      <p:cxnSp>
-        <p:nvCxnSpPr>
-          <p:cNvPr id="7" name="Straight Arrow Connector 6">
-            <a:extLst>
-              <a:ext uri="{FF2B5EF4-FFF2-40B4-BE49-F238E27FC236}">
-                <a16:creationId xmlns:a16="http://schemas.microsoft.com/office/drawing/2014/main" id="{352C72ED-4644-C3F7-62B6-394E59BE7FB0}"/>
-              </a:ext>
-            </a:extLst>
-          </p:cNvPr>
-          <p:cNvCxnSpPr/>
-          <p:nvPr/>
-        </p:nvCxnSpPr>
-        <p:spPr>
-          <a:xfrm flipV="1">
-            <a:off x="6721330" y="1182696"/>
-            <a:ext cx="549611" cy="13221"/>
-          </a:xfrm>
-          <a:prstGeom prst="straightConnector1">
-            <a:avLst/>
-          </a:prstGeom>
-          <a:ln w="57150">
-            <a:solidFill>
-              <a:srgbClr val="E62532"/>
-            </a:solidFill>
-          </a:ln>
-        </p:spPr>
-        <p:style>
-          <a:lnRef idx="3">
-            <a:schemeClr val="accent2"/>
-          </a:lnRef>
-          <a:fillRef idx="0">
-            <a:schemeClr val="accent2"/>
-          </a:fillRef>
-          <a:effectRef idx="2">
-            <a:schemeClr val="accent2"/>
-          </a:effectRef>
-          <a:fontRef idx="minor">
-            <a:schemeClr val="tx1"/>
-          </a:fontRef>
-        </p:style>
-      </p:cxnSp>
-      <p:sp>
-        <p:nvSpPr>
-          <p:cNvPr id="4" name="Content Placeholder 2">
-            <a:extLst>
-              <a:ext uri="{FF2B5EF4-FFF2-40B4-BE49-F238E27FC236}">
-                <a16:creationId xmlns:a16="http://schemas.microsoft.com/office/drawing/2014/main" id="{CD53CD18-BC1C-2CB6-DB1F-89085C10D30D}"/>
-              </a:ext>
-            </a:extLst>
-          </p:cNvPr>
-          <p:cNvSpPr txBox="1">
-            <a:spLocks/>
-          </p:cNvSpPr>
-          <p:nvPr/>
-        </p:nvSpPr>
-        <p:spPr>
-          <a:xfrm>
-            <a:off x="1384541" y="1624343"/>
-            <a:ext cx="9422918" cy="4926432"/>
-          </a:xfrm>
-          <a:prstGeom prst="rect">
-            <a:avLst/>
-          </a:prstGeom>
-        </p:spPr>
-        <p:txBody>
-          <a:bodyPr vert="horz" lIns="91440" tIns="45720" rIns="91440" bIns="45720" rtlCol="0" anchor="t">
-            <a:noAutofit/>
-          </a:bodyPr>
-          <a:lstStyle>
-            <a:lvl1pPr marL="228600" indent="-228600" algn="l" defTabSz="914400" rtl="0" eaLnBrk="1" latinLnBrk="0" hangingPunct="1">
-              <a:lnSpc>
-                <a:spcPct val="90000"/>
-              </a:lnSpc>
-              <a:spcBef>
-                <a:spcPts val="1000"/>
-              </a:spcBef>
-              <a:buFont typeface="Arial" panose="020B0604020202020204" pitchFamily="34" charset="0"/>
-              <a:buChar char="•"/>
-              <a:defRPr sz="2800" kern="1200">
-                <a:solidFill>
-                  <a:schemeClr val="tx1"/>
-                </a:solidFill>
-                <a:latin typeface="+mn-lt"/>
-                <a:ea typeface="+mn-ea"/>
-                <a:cs typeface="+mn-cs"/>
-              </a:defRPr>
-            </a:lvl1pPr>
-            <a:lvl2pPr marL="685800" indent="-228600" algn="l" defTabSz="914400" rtl="0" eaLnBrk="1" latinLnBrk="0" hangingPunct="1">
-              <a:lnSpc>
-                <a:spcPct val="90000"/>
-              </a:lnSpc>
-              <a:spcBef>
-                <a:spcPts val="500"/>
-              </a:spcBef>
-              <a:buFont typeface="Arial" panose="020B0604020202020204" pitchFamily="34" charset="0"/>
-              <a:buChar char="•"/>
-              <a:defRPr sz="2400" kern="1200">
-                <a:solidFill>
-                  <a:schemeClr val="tx1"/>
-                </a:solidFill>
-                <a:latin typeface="+mn-lt"/>
-                <a:ea typeface="+mn-ea"/>
-                <a:cs typeface="+mn-cs"/>
-              </a:defRPr>
-            </a:lvl2pPr>
-            <a:lvl3pPr marL="1143000" indent="-228600" algn="l" defTabSz="914400" rtl="0" eaLnBrk="1" latinLnBrk="0" hangingPunct="1">
-              <a:lnSpc>
-                <a:spcPct val="90000"/>
-              </a:lnSpc>
-              <a:spcBef>
-                <a:spcPts val="500"/>
-              </a:spcBef>
-              <a:buFont typeface="Arial" panose="020B0604020202020204" pitchFamily="34" charset="0"/>
-              <a:buChar char="•"/>
-              <a:defRPr sz="2000" kern="1200">
-                <a:solidFill>
-                  <a:schemeClr val="tx1"/>
-                </a:solidFill>
-                <a:latin typeface="+mn-lt"/>
-                <a:ea typeface="+mn-ea"/>
-                <a:cs typeface="+mn-cs"/>
-              </a:defRPr>
-            </a:lvl3pPr>
-            <a:lvl4pPr marL="1600200" indent="-228600" algn="l" defTabSz="914400" rtl="0" eaLnBrk="1" latinLnBrk="0" hangingPunct="1">
-              <a:lnSpc>
-                <a:spcPct val="90000"/>
-              </a:lnSpc>
-              <a:spcBef>
-                <a:spcPts val="500"/>
-              </a:spcBef>
-              <a:buFont typeface="Arial" panose="020B0604020202020204" pitchFamily="34" charset="0"/>
-              <a:buChar char="•"/>
-              <a:defRPr sz="1800" kern="1200">
-                <a:solidFill>
-                  <a:schemeClr val="tx1"/>
-                </a:solidFill>
-                <a:latin typeface="+mn-lt"/>
-                <a:ea typeface="+mn-ea"/>
-                <a:cs typeface="+mn-cs"/>
-              </a:defRPr>
-            </a:lvl4pPr>
-            <a:lvl5pPr marL="2057400" indent="-228600" algn="l" defTabSz="914400" rtl="0" eaLnBrk="1" latinLnBrk="0" hangingPunct="1">
-              <a:lnSpc>
-                <a:spcPct val="90000"/>
-              </a:lnSpc>
-              <a:spcBef>
-                <a:spcPts val="500"/>
-              </a:spcBef>
-              <a:buFont typeface="Arial" panose="020B0604020202020204" pitchFamily="34" charset="0"/>
-              <a:buChar char="•"/>
-              <a:defRPr sz="1800" kern="1200">
-                <a:solidFill>
-                  <a:schemeClr val="tx1"/>
-                </a:solidFill>
-                <a:latin typeface="+mn-lt"/>
-                <a:ea typeface="+mn-ea"/>
-                <a:cs typeface="+mn-cs"/>
-              </a:defRPr>
-            </a:lvl5pPr>
-            <a:lvl6pPr marL="2514600" indent="-228600" algn="l" defTabSz="914400" rtl="0" eaLnBrk="1" latinLnBrk="0" hangingPunct="1">
-              <a:lnSpc>
-                <a:spcPct val="90000"/>
-              </a:lnSpc>
-              <a:spcBef>
-                <a:spcPts val="500"/>
-              </a:spcBef>
-              <a:buFont typeface="Arial" panose="020B0604020202020204" pitchFamily="34" charset="0"/>
-              <a:buChar char="•"/>
-              <a:defRPr sz="1800" kern="1200">
-                <a:solidFill>
-                  <a:schemeClr val="tx1"/>
-                </a:solidFill>
-                <a:latin typeface="+mn-lt"/>
-                <a:ea typeface="+mn-ea"/>
-                <a:cs typeface="+mn-cs"/>
-              </a:defRPr>
-            </a:lvl6pPr>
-            <a:lvl7pPr marL="2971800" indent="-228600" algn="l" defTabSz="914400" rtl="0" eaLnBrk="1" latinLnBrk="0" hangingPunct="1">
-              <a:lnSpc>
-                <a:spcPct val="90000"/>
-              </a:lnSpc>
-              <a:spcBef>
-                <a:spcPts val="500"/>
-              </a:spcBef>
-              <a:buFont typeface="Arial" panose="020B0604020202020204" pitchFamily="34" charset="0"/>
-              <a:buChar char="•"/>
-              <a:defRPr sz="1800" kern="1200">
-                <a:solidFill>
-                  <a:schemeClr val="tx1"/>
-                </a:solidFill>
-                <a:latin typeface="+mn-lt"/>
-                <a:ea typeface="+mn-ea"/>
-                <a:cs typeface="+mn-cs"/>
-              </a:defRPr>
-            </a:lvl7pPr>
-            <a:lvl8pPr marL="3429000" indent="-228600" algn="l" defTabSz="914400" rtl="0" eaLnBrk="1" latinLnBrk="0" hangingPunct="1">
-              <a:lnSpc>
-                <a:spcPct val="90000"/>
-              </a:lnSpc>
-              <a:spcBef>
-                <a:spcPts val="500"/>
-              </a:spcBef>
-              <a:buFont typeface="Arial" panose="020B0604020202020204" pitchFamily="34" charset="0"/>
-              <a:buChar char="•"/>
-              <a:defRPr sz="1800" kern="1200">
-                <a:solidFill>
-                  <a:schemeClr val="tx1"/>
-                </a:solidFill>
-                <a:latin typeface="+mn-lt"/>
-                <a:ea typeface="+mn-ea"/>
-                <a:cs typeface="+mn-cs"/>
-              </a:defRPr>
-            </a:lvl8pPr>
-            <a:lvl9pPr marL="3886200" indent="-228600" algn="l" defTabSz="914400" rtl="0" eaLnBrk="1" latinLnBrk="0" hangingPunct="1">
-              <a:lnSpc>
-                <a:spcPct val="90000"/>
-              </a:lnSpc>
-              <a:spcBef>
-                <a:spcPts val="500"/>
-              </a:spcBef>
-              <a:buFont typeface="Arial" panose="020B0604020202020204" pitchFamily="34" charset="0"/>
-              <a:buChar char="•"/>
-              <a:defRPr sz="1800" kern="1200">
-                <a:solidFill>
-                  <a:schemeClr val="tx1"/>
-                </a:solidFill>
-                <a:latin typeface="+mn-lt"/>
-                <a:ea typeface="+mn-ea"/>
-                <a:cs typeface="+mn-cs"/>
-              </a:defRPr>
-            </a:lvl9pPr>
-          </a:lstStyle>
-          <a:p>
-            <a:pPr marL="0" indent="0" algn="just">
-              <a:lnSpc>
-                <a:spcPct val="100000"/>
-              </a:lnSpc>
-              <a:buNone/>
-            </a:pPr>
-            <a:r>
-              <a:rPr lang="en-US" sz="1400" b="1" dirty="0">
-                <a:solidFill>
-                  <a:srgbClr val="595959"/>
-                </a:solidFill>
-                <a:latin typeface="Verdana"/>
-                <a:ea typeface="Verdana"/>
-                <a:cs typeface="+mn-lt"/>
-              </a:rPr>
-              <a:t>Create a webpage layout that consists of two sections: a header and a main content area. The header should contain a logo on the left and a navigation menu on the right,  aligned  horizontally. The main content area should  display a grid of four items, each with an image and a caption.</a:t>
-            </a:r>
-            <a:endParaRPr lang="en-US" dirty="0">
-              <a:cs typeface="Calibri"/>
-            </a:endParaRPr>
-          </a:p>
-          <a:p>
-            <a:pPr marL="0" indent="0" algn="just">
-              <a:lnSpc>
-                <a:spcPct val="100000"/>
-              </a:lnSpc>
-              <a:buNone/>
-            </a:pPr>
-            <a:endParaRPr lang="en-US" sz="1400" b="1" dirty="0">
-              <a:solidFill>
-                <a:srgbClr val="595959"/>
-              </a:solidFill>
-              <a:latin typeface="Verdana"/>
-              <a:ea typeface="Verdana"/>
-              <a:cs typeface="Calibri"/>
-            </a:endParaRPr>
-          </a:p>
-          <a:p>
-            <a:pPr marL="0" indent="0" algn="just">
-              <a:lnSpc>
-                <a:spcPct val="100000"/>
-              </a:lnSpc>
-              <a:buNone/>
-            </a:pPr>
-            <a:r>
-              <a:rPr lang="en-US" sz="1400" b="1" dirty="0">
-                <a:solidFill>
-                  <a:srgbClr val="595959"/>
-                </a:solidFill>
-                <a:latin typeface="Verdana"/>
-                <a:ea typeface="Verdana"/>
-                <a:cs typeface="+mn-lt"/>
-              </a:rPr>
-              <a:t>On small screens (max-width: 767px): </a:t>
-            </a:r>
-            <a:endParaRPr lang="en-US" sz="1400" b="1" dirty="0">
-              <a:solidFill>
-                <a:srgbClr val="000000"/>
-              </a:solidFill>
-              <a:latin typeface="Verdana"/>
-              <a:ea typeface="Verdana"/>
-              <a:cs typeface="+mn-lt"/>
-            </a:endParaRPr>
-          </a:p>
-          <a:p>
-            <a:pPr algn="just">
-              <a:lnSpc>
-                <a:spcPct val="100000"/>
-              </a:lnSpc>
-              <a:buFont typeface="Arial"/>
-            </a:pPr>
-            <a:r>
-              <a:rPr lang="en-US" sz="1400" dirty="0">
-                <a:solidFill>
-                  <a:srgbClr val="595959"/>
-                </a:solidFill>
-                <a:latin typeface="Verdana"/>
-                <a:ea typeface="Verdana"/>
-                <a:cs typeface="+mn-lt"/>
-              </a:rPr>
-              <a:t>Use CSS Flexbox to align the logo and navigation menu horizontally in the header.</a:t>
-            </a:r>
-            <a:endParaRPr lang="en-US" sz="1400" b="1" dirty="0">
-              <a:solidFill>
-                <a:srgbClr val="000000"/>
-              </a:solidFill>
-              <a:latin typeface="Verdana"/>
-              <a:ea typeface="Verdana"/>
-              <a:cs typeface="+mn-lt"/>
-            </a:endParaRPr>
-          </a:p>
-          <a:p>
-            <a:pPr algn="just">
-              <a:lnSpc>
-                <a:spcPct val="100000"/>
-              </a:lnSpc>
-              <a:buFont typeface="Arial"/>
-            </a:pPr>
-            <a:r>
-              <a:rPr lang="en-US" sz="1400" dirty="0">
-                <a:solidFill>
-                  <a:srgbClr val="595959"/>
-                </a:solidFill>
-                <a:latin typeface="Verdana"/>
-                <a:ea typeface="Verdana"/>
-                <a:cs typeface="+mn-lt"/>
-              </a:rPr>
-              <a:t>Utilize CSS Grid to arrange the four items in a 2x2 grid layout in the main content </a:t>
-            </a:r>
-            <a:br>
-              <a:rPr lang="en-US" sz="1400" dirty="0">
-                <a:solidFill>
-                  <a:srgbClr val="595959"/>
-                </a:solidFill>
-                <a:latin typeface="Verdana"/>
-                <a:ea typeface="Verdana"/>
-                <a:cs typeface="+mn-lt"/>
-              </a:rPr>
-            </a:br>
-            <a:r>
-              <a:rPr lang="en-US" sz="1400" dirty="0">
-                <a:solidFill>
-                  <a:srgbClr val="595959"/>
-                </a:solidFill>
-                <a:latin typeface="Verdana"/>
-                <a:ea typeface="Verdana"/>
-                <a:cs typeface="+mn-lt"/>
-              </a:rPr>
-              <a:t>area.</a:t>
-            </a:r>
-            <a:endParaRPr lang="en-US" sz="1400" b="1" dirty="0">
-              <a:solidFill>
-                <a:srgbClr val="000000"/>
-              </a:solidFill>
-              <a:latin typeface="Verdana"/>
-              <a:ea typeface="Verdana"/>
-              <a:cs typeface="+mn-lt"/>
-            </a:endParaRPr>
-          </a:p>
-          <a:p>
-            <a:pPr algn="just">
-              <a:lnSpc>
-                <a:spcPct val="100000"/>
-              </a:lnSpc>
-              <a:buFont typeface="Arial"/>
-            </a:pPr>
-            <a:r>
-              <a:rPr lang="en-US" sz="1400" dirty="0">
-                <a:solidFill>
-                  <a:srgbClr val="595959"/>
-                </a:solidFill>
-                <a:latin typeface="Verdana"/>
-                <a:ea typeface="Verdana"/>
-                <a:cs typeface="+mn-lt"/>
-              </a:rPr>
-              <a:t>Apply appropriate spacing and styling to achieve a visually appealing design.</a:t>
-            </a:r>
-            <a:endParaRPr lang="en-US" sz="1400" b="1" dirty="0">
-              <a:solidFill>
-                <a:srgbClr val="000000"/>
-              </a:solidFill>
-              <a:latin typeface="Verdana"/>
-              <a:ea typeface="Verdana"/>
-              <a:cs typeface="+mn-lt"/>
-            </a:endParaRPr>
-          </a:p>
-          <a:p>
-            <a:pPr algn="just">
-              <a:lnSpc>
-                <a:spcPct val="100000"/>
-              </a:lnSpc>
-              <a:buFont typeface="Arial"/>
-            </a:pPr>
-            <a:r>
-              <a:rPr lang="en-US" sz="1400" dirty="0">
-                <a:solidFill>
-                  <a:srgbClr val="595959"/>
-                </a:solidFill>
-                <a:latin typeface="Verdana"/>
-                <a:ea typeface="Verdana"/>
-                <a:cs typeface="+mn-lt"/>
-              </a:rPr>
-              <a:t>Make the layout responsive, ensuring that it adapts gracefully to different screen </a:t>
-            </a:r>
-            <a:br>
-              <a:rPr lang="en-US" sz="1400" dirty="0">
-                <a:solidFill>
-                  <a:srgbClr val="595959"/>
-                </a:solidFill>
-                <a:latin typeface="Verdana"/>
-                <a:ea typeface="Verdana"/>
-                <a:cs typeface="+mn-lt"/>
-              </a:rPr>
-            </a:br>
-            <a:r>
-              <a:rPr lang="en-US" sz="1400" dirty="0">
-                <a:solidFill>
-                  <a:srgbClr val="595959"/>
-                </a:solidFill>
-                <a:latin typeface="Verdana"/>
-                <a:ea typeface="Verdana"/>
-                <a:cs typeface="+mn-lt"/>
-              </a:rPr>
-              <a:t>sizes.</a:t>
-            </a:r>
-            <a:endParaRPr lang="en-US" sz="1400" b="1" dirty="0">
-              <a:solidFill>
-                <a:srgbClr val="000000"/>
-              </a:solidFill>
-              <a:latin typeface="Verdana"/>
-              <a:ea typeface="Verdana"/>
-              <a:cs typeface="+mn-lt"/>
-            </a:endParaRPr>
-          </a:p>
-          <a:p>
-            <a:pPr algn="just">
-              <a:lnSpc>
-                <a:spcPct val="100000"/>
-              </a:lnSpc>
-              <a:buFont typeface="Arial"/>
-            </a:pPr>
-            <a:r>
-              <a:rPr lang="en-US" sz="1400" dirty="0">
-                <a:solidFill>
-                  <a:srgbClr val="595959"/>
-                </a:solidFill>
-                <a:latin typeface="Verdana"/>
-                <a:ea typeface="Verdana"/>
-                <a:cs typeface="+mn-lt"/>
-              </a:rPr>
-              <a:t>Implement a JavaScript functionality where clicking on an item in the grid will display </a:t>
-            </a:r>
-            <a:br>
-              <a:rPr lang="en-US" sz="1400" dirty="0">
-                <a:solidFill>
-                  <a:srgbClr val="595959"/>
-                </a:solidFill>
-                <a:latin typeface="Verdana"/>
-                <a:ea typeface="Verdana"/>
-                <a:cs typeface="+mn-lt"/>
-              </a:rPr>
-            </a:br>
-            <a:r>
-              <a:rPr lang="en-US" sz="1400" dirty="0">
-                <a:solidFill>
-                  <a:srgbClr val="595959"/>
-                </a:solidFill>
-                <a:latin typeface="Verdana"/>
-                <a:ea typeface="Verdana"/>
-                <a:cs typeface="+mn-lt"/>
-              </a:rPr>
-              <a:t>a modal with additional details about the item</a:t>
-            </a:r>
-            <a:endParaRPr lang="en-US" sz="1400" b="1" dirty="0">
-              <a:solidFill>
-                <a:srgbClr val="000000"/>
-              </a:solidFill>
-              <a:latin typeface="Verdana"/>
-              <a:ea typeface="Verdana"/>
-              <a:cs typeface="+mn-lt"/>
-            </a:endParaRPr>
-          </a:p>
-          <a:p>
-            <a:pPr algn="just">
-              <a:lnSpc>
-                <a:spcPct val="100000"/>
-              </a:lnSpc>
-              <a:buFont typeface="Arial"/>
-            </a:pPr>
-            <a:endParaRPr lang="en-US" sz="1400" dirty="0">
-              <a:solidFill>
-                <a:srgbClr val="000000"/>
-              </a:solidFill>
-              <a:latin typeface="Calibri" panose="020F0502020204030204"/>
-              <a:ea typeface="Verdana"/>
-              <a:cs typeface="+mn-lt"/>
-            </a:endParaRPr>
-          </a:p>
-        </p:txBody>
-      </p:sp>
-      <p:pic>
-        <p:nvPicPr>
-          <p:cNvPr id="11" name="Picture 6">
-            <a:extLst>
-              <a:ext uri="{FF2B5EF4-FFF2-40B4-BE49-F238E27FC236}">
-                <a16:creationId xmlns:a16="http://schemas.microsoft.com/office/drawing/2014/main" id="{6CEB7992-21B2-4BA3-A687-E881C8064205}"/>
-              </a:ext>
-            </a:extLst>
-          </p:cNvPr>
-          <p:cNvPicPr>
-            <a:picLocks noChangeAspect="1"/>
-          </p:cNvPicPr>
-          <p:nvPr/>
-        </p:nvPicPr>
-        <p:blipFill>
-          <a:blip r:embed="rId2"/>
-          <a:stretch>
-            <a:fillRect/>
-          </a:stretch>
-        </p:blipFill>
-        <p:spPr>
-          <a:xfrm>
-            <a:off x="10460965" y="5615348"/>
-            <a:ext cx="1607389" cy="1162585"/>
-          </a:xfrm>
-          <a:prstGeom prst="rect">
-            <a:avLst/>
-          </a:prstGeom>
-        </p:spPr>
-      </p:pic>
-      <p:sp>
-        <p:nvSpPr>
-          <p:cNvPr id="14" name="Rectangle 13">
-            <a:extLst>
-              <a:ext uri="{FF2B5EF4-FFF2-40B4-BE49-F238E27FC236}">
-                <a16:creationId xmlns:a16="http://schemas.microsoft.com/office/drawing/2014/main" id="{9A3AF3AA-F37E-47A5-741D-59A320B805A3}"/>
-              </a:ext>
-            </a:extLst>
-          </p:cNvPr>
-          <p:cNvSpPr/>
-          <p:nvPr/>
-        </p:nvSpPr>
-        <p:spPr>
-          <a:xfrm>
-            <a:off x="-804" y="6576738"/>
-            <a:ext cx="10322942" cy="273169"/>
-          </a:xfrm>
-          <a:prstGeom prst="rect">
-            <a:avLst/>
-          </a:prstGeom>
-          <a:solidFill>
-            <a:srgbClr val="E62532"/>
-          </a:solidFill>
-          <a:ln>
-            <a:noFill/>
-          </a:ln>
-        </p:spPr>
-        <p:style>
-          <a:lnRef idx="2">
-            <a:schemeClr val="accent1">
-              <a:shade val="15000"/>
-            </a:schemeClr>
-          </a:lnRef>
-          <a:fillRef idx="1">
-            <a:schemeClr val="accent1"/>
-          </a:fillRef>
-          <a:effectRef idx="0">
-            <a:schemeClr val="accent1"/>
-          </a:effectRef>
-          <a:fontRef idx="minor">
-            <a:schemeClr val="lt1"/>
-          </a:fontRef>
-        </p:style>
-        <p:txBody>
-          <a:bodyPr rtlCol="0" anchor="ctr"/>
-          <a:lstStyle/>
-          <a:p>
-            <a:pPr algn="ctr"/>
-            <a:endParaRPr lang="en-US"/>
-          </a:p>
-        </p:txBody>
-      </p:sp>
-    </p:spTree>
-    <p:extLst>
-      <p:ext uri="{BB962C8B-B14F-4D97-AF65-F5344CB8AC3E}">
-        <p14:creationId xmlns:p14="http://schemas.microsoft.com/office/powerpoint/2010/main" val="3699087045"/>
-      </p:ext>
-    </p:extLst>
-  </p:cSld>
-  <p:clrMapOvr>
-    <a:masterClrMapping/>
-  </p:clrMapOvr>
-</p:sld>
-</file>
-
-<file path=ppt/slides/slide22.xml><?xml version="1.0" encoding="utf-8"?>
-<p:sld xmlns:a="http://schemas.openxmlformats.org/drawingml/2006/main" xmlns:r="http://schemas.openxmlformats.org/officeDocument/2006/relationships" xmlns:p="http://schemas.openxmlformats.org/presentationml/2006/main">
-  <p:cSld>
-    <p:spTree>
-      <p:nvGrpSpPr>
-        <p:cNvPr id="1" name=""/>
-        <p:cNvGrpSpPr/>
-        <p:nvPr/>
-      </p:nvGrpSpPr>
-      <p:grpSpPr>
-        <a:xfrm>
-          <a:off x="0" y="0"/>
-          <a:ext cx="0" cy="0"/>
-          <a:chOff x="0" y="0"/>
-          <a:chExt cx="0" cy="0"/>
-        </a:xfrm>
-      </p:grpSpPr>
-      <p:sp>
-        <p:nvSpPr>
-          <p:cNvPr id="2" name="Title 1">
-            <a:extLst>
-              <a:ext uri="{FF2B5EF4-FFF2-40B4-BE49-F238E27FC236}">
-                <a16:creationId xmlns:a16="http://schemas.microsoft.com/office/drawing/2014/main" id="{F0513718-A6D0-3B0E-39A7-F54A6A08526D}"/>
-              </a:ext>
-            </a:extLst>
-          </p:cNvPr>
-          <p:cNvSpPr>
-            <a:spLocks noGrp="1"/>
-          </p:cNvSpPr>
-          <p:nvPr>
-            <p:ph type="title"/>
-          </p:nvPr>
-        </p:nvSpPr>
-        <p:spPr>
-          <a:xfrm>
-            <a:off x="766313" y="365125"/>
-            <a:ext cx="10644996" cy="1325563"/>
-          </a:xfrm>
-        </p:spPr>
-        <p:txBody>
-          <a:bodyPr vert="horz" lIns="91440" tIns="45720" rIns="91440" bIns="45720" rtlCol="0" anchor="ctr">
-            <a:noAutofit/>
-          </a:bodyPr>
-          <a:lstStyle/>
-          <a:p>
-            <a:pPr algn="ctr"/>
-            <a:r>
-              <a:rPr lang="en-US" sz="2800" b="1" dirty="0">
-                <a:solidFill>
-                  <a:srgbClr val="E62532"/>
-                </a:solidFill>
-                <a:latin typeface="Verdana"/>
-                <a:ea typeface="Verdana"/>
-                <a:cs typeface="+mj-lt"/>
-              </a:rPr>
-              <a:t>Unit types, font scaling and line-height</a:t>
-            </a:r>
-            <a:endParaRPr lang="en-US" dirty="0"/>
-          </a:p>
-        </p:txBody>
-      </p:sp>
-      <p:pic>
-        <p:nvPicPr>
-          <p:cNvPr id="6" name="Picture 6">
-            <a:extLst>
-              <a:ext uri="{FF2B5EF4-FFF2-40B4-BE49-F238E27FC236}">
-                <a16:creationId xmlns:a16="http://schemas.microsoft.com/office/drawing/2014/main" id="{3BD37F42-0C5D-0FC6-794D-507719695323}"/>
-              </a:ext>
-            </a:extLst>
-          </p:cNvPr>
-          <p:cNvPicPr>
-            <a:picLocks noChangeAspect="1"/>
-          </p:cNvPicPr>
-          <p:nvPr/>
-        </p:nvPicPr>
-        <p:blipFill>
-          <a:blip r:embed="rId2"/>
-          <a:stretch>
-            <a:fillRect/>
-          </a:stretch>
-        </p:blipFill>
-        <p:spPr>
-          <a:xfrm>
-            <a:off x="10460965" y="5615348"/>
-            <a:ext cx="1607389" cy="1162585"/>
-          </a:xfrm>
-          <a:prstGeom prst="rect">
-            <a:avLst/>
-          </a:prstGeom>
-        </p:spPr>
-      </p:pic>
-      <p:cxnSp>
-        <p:nvCxnSpPr>
-          <p:cNvPr id="7" name="Straight Arrow Connector 6">
-            <a:extLst>
-              <a:ext uri="{FF2B5EF4-FFF2-40B4-BE49-F238E27FC236}">
-                <a16:creationId xmlns:a16="http://schemas.microsoft.com/office/drawing/2014/main" id="{352C72ED-4644-C3F7-62B6-394E59BE7FB0}"/>
-              </a:ext>
-            </a:extLst>
-          </p:cNvPr>
-          <p:cNvCxnSpPr/>
-          <p:nvPr/>
-        </p:nvCxnSpPr>
-        <p:spPr>
-          <a:xfrm flipV="1">
-            <a:off x="2781934" y="1297715"/>
-            <a:ext cx="1095950" cy="13221"/>
-          </a:xfrm>
-          <a:prstGeom prst="straightConnector1">
-            <a:avLst/>
-          </a:prstGeom>
-          <a:ln w="57150">
-            <a:solidFill>
-              <a:srgbClr val="E62532"/>
-            </a:solidFill>
-          </a:ln>
-        </p:spPr>
-        <p:style>
-          <a:lnRef idx="3">
-            <a:schemeClr val="accent2"/>
-          </a:lnRef>
-          <a:fillRef idx="0">
-            <a:schemeClr val="accent2"/>
-          </a:fillRef>
-          <a:effectRef idx="2">
-            <a:schemeClr val="accent2"/>
-          </a:effectRef>
-          <a:fontRef idx="minor">
-            <a:schemeClr val="tx1"/>
-          </a:fontRef>
-        </p:style>
-      </p:cxnSp>
-      <p:sp>
-        <p:nvSpPr>
-          <p:cNvPr id="13" name="Content Placeholder 2">
-            <a:extLst>
-              <a:ext uri="{FF2B5EF4-FFF2-40B4-BE49-F238E27FC236}">
-                <a16:creationId xmlns:a16="http://schemas.microsoft.com/office/drawing/2014/main" id="{9581D807-80C3-35CE-843E-4476700155CF}"/>
-              </a:ext>
-            </a:extLst>
-          </p:cNvPr>
-          <p:cNvSpPr>
-            <a:spLocks noGrp="1"/>
-          </p:cNvSpPr>
-          <p:nvPr>
-            <p:ph idx="1"/>
-          </p:nvPr>
-        </p:nvSpPr>
-        <p:spPr>
-          <a:xfrm>
-            <a:off x="967596" y="1983776"/>
-            <a:ext cx="10256806" cy="3416810"/>
-          </a:xfrm>
-        </p:spPr>
-        <p:txBody>
-          <a:bodyPr vert="horz" lIns="91440" tIns="45720" rIns="91440" bIns="45720" rtlCol="0" anchor="t">
-            <a:noAutofit/>
-          </a:bodyPr>
-          <a:lstStyle/>
-          <a:p>
-            <a:pPr algn="just">
-              <a:lnSpc>
-                <a:spcPct val="100000"/>
-              </a:lnSpc>
-            </a:pPr>
-            <a:r>
-              <a:rPr lang="en-US" sz="1600" b="1" dirty="0">
-                <a:solidFill>
-                  <a:srgbClr val="595959"/>
-                </a:solidFill>
-                <a:latin typeface="Verdana"/>
-                <a:ea typeface="Verdana"/>
-                <a:cs typeface="+mn-lt"/>
-              </a:rPr>
-              <a:t> Unit types for font sizes:</a:t>
-            </a:r>
-            <a:r>
-              <a:rPr lang="en-US" sz="1600" dirty="0">
-                <a:solidFill>
-                  <a:srgbClr val="595959"/>
-                </a:solidFill>
-                <a:latin typeface="Verdana"/>
-                <a:ea typeface="Verdana"/>
-                <a:cs typeface="+mn-lt"/>
-              </a:rPr>
-              <a:t> Pixels (</a:t>
-            </a:r>
-            <a:r>
-              <a:rPr lang="en-US" sz="1600" dirty="0" err="1">
-                <a:solidFill>
-                  <a:srgbClr val="595959"/>
-                </a:solidFill>
-                <a:latin typeface="Verdana"/>
-                <a:ea typeface="Verdana"/>
-                <a:cs typeface="+mn-lt"/>
-              </a:rPr>
-              <a:t>px</a:t>
-            </a:r>
-            <a:r>
-              <a:rPr lang="en-US" sz="1600" dirty="0">
-                <a:solidFill>
-                  <a:srgbClr val="595959"/>
-                </a:solidFill>
-                <a:latin typeface="Verdana"/>
-                <a:ea typeface="Verdana"/>
-                <a:cs typeface="+mn-lt"/>
-              </a:rPr>
-              <a:t>), </a:t>
-            </a:r>
-            <a:r>
-              <a:rPr lang="en-US" sz="1600" dirty="0" err="1">
-                <a:solidFill>
-                  <a:srgbClr val="595959"/>
-                </a:solidFill>
-                <a:latin typeface="Verdana"/>
-                <a:ea typeface="Verdana"/>
-                <a:cs typeface="+mn-lt"/>
-              </a:rPr>
-              <a:t>em</a:t>
-            </a:r>
-            <a:r>
-              <a:rPr lang="en-US" sz="1600" dirty="0">
-                <a:solidFill>
-                  <a:srgbClr val="595959"/>
-                </a:solidFill>
-                <a:latin typeface="Verdana"/>
-                <a:ea typeface="Verdana"/>
-                <a:cs typeface="+mn-lt"/>
-              </a:rPr>
-              <a:t>, rem, and percentages (%).</a:t>
-            </a:r>
-            <a:endParaRPr lang="en-US" dirty="0">
-              <a:solidFill>
-                <a:srgbClr val="000000"/>
-              </a:solidFill>
-              <a:latin typeface="Calibri"/>
-              <a:ea typeface="Verdana"/>
-              <a:cs typeface="+mn-lt"/>
-            </a:endParaRPr>
-          </a:p>
-          <a:p>
-            <a:pPr algn="just">
-              <a:lnSpc>
-                <a:spcPct val="100000"/>
-              </a:lnSpc>
-            </a:pPr>
-            <a:r>
-              <a:rPr lang="en-US" sz="1600" b="1" dirty="0">
-                <a:solidFill>
-                  <a:srgbClr val="595959"/>
-                </a:solidFill>
-                <a:latin typeface="Verdana"/>
-                <a:ea typeface="Verdana"/>
-                <a:cs typeface="+mn-lt"/>
-              </a:rPr>
-              <a:t>Font scaling techniques:</a:t>
-            </a:r>
-            <a:r>
-              <a:rPr lang="en-US" sz="1600" dirty="0">
-                <a:solidFill>
-                  <a:srgbClr val="595959"/>
-                </a:solidFill>
-                <a:latin typeface="Verdana"/>
-                <a:ea typeface="Verdana"/>
-                <a:cs typeface="+mn-lt"/>
-              </a:rPr>
-              <a:t> Using relative units (</a:t>
-            </a:r>
-            <a:r>
-              <a:rPr lang="en-US" sz="1600" dirty="0" err="1">
-                <a:solidFill>
-                  <a:srgbClr val="595959"/>
-                </a:solidFill>
-                <a:latin typeface="Verdana"/>
-                <a:ea typeface="Verdana"/>
-                <a:cs typeface="+mn-lt"/>
-              </a:rPr>
-              <a:t>em</a:t>
-            </a:r>
-            <a:r>
-              <a:rPr lang="en-US" sz="1600" dirty="0">
-                <a:solidFill>
-                  <a:srgbClr val="595959"/>
-                </a:solidFill>
-                <a:latin typeface="Verdana"/>
-                <a:ea typeface="Verdana"/>
-                <a:cs typeface="+mn-lt"/>
-              </a:rPr>
-              <a:t>, rem) for font sizes, applying media queries for responsive font scaling.</a:t>
-            </a:r>
-            <a:endParaRPr lang="en-US" dirty="0">
-              <a:solidFill>
-                <a:srgbClr val="000000"/>
-              </a:solidFill>
-              <a:latin typeface="Calibri"/>
-              <a:ea typeface="Verdana"/>
-              <a:cs typeface="+mn-lt"/>
-            </a:endParaRPr>
-          </a:p>
-          <a:p>
-            <a:pPr algn="just">
-              <a:lnSpc>
-                <a:spcPct val="100000"/>
-              </a:lnSpc>
-            </a:pPr>
-            <a:r>
-              <a:rPr lang="en-US" sz="1600" b="1" dirty="0">
-                <a:solidFill>
-                  <a:srgbClr val="595959"/>
-                </a:solidFill>
-                <a:latin typeface="Verdana"/>
-                <a:ea typeface="Verdana"/>
-                <a:cs typeface="+mn-lt"/>
-              </a:rPr>
-              <a:t>Importance of line-height:</a:t>
-            </a:r>
-            <a:r>
-              <a:rPr lang="en-US" sz="1600" dirty="0">
-                <a:solidFill>
-                  <a:srgbClr val="595959"/>
-                </a:solidFill>
-                <a:latin typeface="Verdana"/>
-                <a:ea typeface="Verdana"/>
-                <a:cs typeface="+mn-lt"/>
-              </a:rPr>
-              <a:t> Enhances readability and visual spacing between lines of text.</a:t>
-            </a:r>
-            <a:endParaRPr lang="en-US" dirty="0">
-              <a:solidFill>
-                <a:srgbClr val="000000"/>
-              </a:solidFill>
-              <a:latin typeface="Calibri"/>
-              <a:ea typeface="Verdana"/>
-              <a:cs typeface="+mn-lt"/>
-            </a:endParaRPr>
-          </a:p>
-          <a:p>
-            <a:pPr algn="just">
-              <a:lnSpc>
-                <a:spcPct val="100000"/>
-              </a:lnSpc>
-            </a:pPr>
-            <a:r>
-              <a:rPr lang="en-US" sz="1600" b="1" dirty="0">
-                <a:solidFill>
-                  <a:srgbClr val="595959"/>
-                </a:solidFill>
-                <a:latin typeface="Verdana"/>
-                <a:ea typeface="Verdana"/>
-                <a:cs typeface="+mn-lt"/>
-              </a:rPr>
-              <a:t>Adjusting line-height:</a:t>
-            </a:r>
-            <a:r>
-              <a:rPr lang="en-US" sz="1600" dirty="0">
-                <a:solidFill>
-                  <a:srgbClr val="595959"/>
-                </a:solidFill>
-                <a:latin typeface="Verdana"/>
-                <a:ea typeface="Verdana"/>
-                <a:cs typeface="+mn-lt"/>
-              </a:rPr>
-              <a:t> Consider font size, line length, and content to determine an appropriate line-height value.</a:t>
-            </a:r>
-            <a:endParaRPr lang="en-US" dirty="0">
-              <a:solidFill>
-                <a:srgbClr val="000000"/>
-              </a:solidFill>
-              <a:latin typeface="Calibri"/>
-              <a:ea typeface="Verdana"/>
-              <a:cs typeface="+mn-lt"/>
-            </a:endParaRPr>
-          </a:p>
-          <a:p>
-            <a:pPr algn="just">
-              <a:lnSpc>
-                <a:spcPct val="100000"/>
-              </a:lnSpc>
-            </a:pPr>
-            <a:r>
-              <a:rPr lang="en-US" sz="1600" b="1" dirty="0">
-                <a:solidFill>
-                  <a:srgbClr val="595959"/>
-                </a:solidFill>
-                <a:latin typeface="Verdana"/>
-                <a:ea typeface="Verdana"/>
-                <a:cs typeface="+mn-lt"/>
-              </a:rPr>
-              <a:t>Unitless line-height:</a:t>
-            </a:r>
-            <a:r>
-              <a:rPr lang="en-US" sz="1600" dirty="0">
-                <a:solidFill>
-                  <a:srgbClr val="595959"/>
-                </a:solidFill>
-                <a:latin typeface="Verdana"/>
-                <a:ea typeface="Verdana"/>
-                <a:cs typeface="+mn-lt"/>
-              </a:rPr>
-              <a:t> Using a unitless value maintains a consistent line-height regardless of font size.</a:t>
-            </a:r>
-            <a:endParaRPr lang="en-US" dirty="0">
-              <a:solidFill>
-                <a:srgbClr val="000000"/>
-              </a:solidFill>
-              <a:latin typeface="Calibri"/>
-              <a:ea typeface="Verdana"/>
-              <a:cs typeface="+mn-lt"/>
-            </a:endParaRPr>
-          </a:p>
-          <a:p>
-            <a:pPr algn="just">
-              <a:lnSpc>
-                <a:spcPct val="100000"/>
-              </a:lnSpc>
-            </a:pPr>
-            <a:r>
-              <a:rPr lang="en-US" sz="1600" b="1" dirty="0">
-                <a:solidFill>
-                  <a:srgbClr val="595959"/>
-                </a:solidFill>
-                <a:latin typeface="Verdana"/>
-                <a:ea typeface="Verdana"/>
-                <a:cs typeface="+mn-lt"/>
-              </a:rPr>
-              <a:t>Responsive typography:</a:t>
-            </a:r>
-            <a:r>
-              <a:rPr lang="en-US" sz="1600" dirty="0">
-                <a:solidFill>
-                  <a:srgbClr val="595959"/>
-                </a:solidFill>
-                <a:latin typeface="Verdana"/>
-                <a:ea typeface="Verdana"/>
-                <a:cs typeface="+mn-lt"/>
-              </a:rPr>
-              <a:t> Implementing fluid typography techniques for seamless font scaling across different devices.</a:t>
-            </a:r>
-            <a:endParaRPr lang="en-US" dirty="0">
-              <a:solidFill>
-                <a:srgbClr val="000000"/>
-              </a:solidFill>
-              <a:latin typeface="Calibri"/>
-              <a:ea typeface="Verdana"/>
-              <a:cs typeface="+mn-lt"/>
-            </a:endParaRPr>
-          </a:p>
-          <a:p>
-            <a:pPr algn="just">
-              <a:lnSpc>
-                <a:spcPct val="100000"/>
-              </a:lnSpc>
-            </a:pPr>
-            <a:endParaRPr lang="en-US" sz="1600" dirty="0">
-              <a:solidFill>
-                <a:srgbClr val="595959"/>
-              </a:solidFill>
-              <a:latin typeface="Verdana"/>
-              <a:ea typeface="Verdana"/>
-              <a:cs typeface="Calibri"/>
-            </a:endParaRPr>
-          </a:p>
-        </p:txBody>
-      </p:sp>
-      <p:sp>
-        <p:nvSpPr>
-          <p:cNvPr id="17" name="Rectangle 16">
-            <a:extLst>
-              <a:ext uri="{FF2B5EF4-FFF2-40B4-BE49-F238E27FC236}">
-                <a16:creationId xmlns:a16="http://schemas.microsoft.com/office/drawing/2014/main" id="{3B591AAE-B4C6-F1A5-E84B-15856BD0DB96}"/>
-              </a:ext>
-            </a:extLst>
-          </p:cNvPr>
-          <p:cNvSpPr/>
-          <p:nvPr/>
-        </p:nvSpPr>
-        <p:spPr>
-          <a:xfrm>
-            <a:off x="-804" y="6576738"/>
-            <a:ext cx="10322942" cy="273169"/>
-          </a:xfrm>
-          <a:prstGeom prst="rect">
-            <a:avLst/>
-          </a:prstGeom>
-          <a:solidFill>
-            <a:srgbClr val="E62532"/>
-          </a:solidFill>
-          <a:ln>
-            <a:noFill/>
-          </a:ln>
-        </p:spPr>
-        <p:style>
-          <a:lnRef idx="2">
-            <a:schemeClr val="accent1">
-              <a:shade val="15000"/>
-            </a:schemeClr>
-          </a:lnRef>
-          <a:fillRef idx="1">
-            <a:schemeClr val="accent1"/>
-          </a:fillRef>
-          <a:effectRef idx="0">
-            <a:schemeClr val="accent1"/>
-          </a:effectRef>
-          <a:fontRef idx="minor">
-            <a:schemeClr val="lt1"/>
-          </a:fontRef>
-        </p:style>
-        <p:txBody>
-          <a:bodyPr rtlCol="0" anchor="ctr"/>
-          <a:lstStyle/>
-          <a:p>
-            <a:pPr algn="ctr"/>
-            <a:endParaRPr lang="en-US"/>
-          </a:p>
-        </p:txBody>
-      </p:sp>
-    </p:spTree>
-    <p:extLst>
-      <p:ext uri="{BB962C8B-B14F-4D97-AF65-F5344CB8AC3E}">
-        <p14:creationId xmlns:p14="http://schemas.microsoft.com/office/powerpoint/2010/main" val="4024693990"/>
       </p:ext>
     </p:extLst>
   </p:cSld>
